--- a/Project Documentation/Demos/Demo 04/Demo 03.pptx
+++ b/Project Documentation/Demos/Demo 04/Demo 03.pptx
@@ -5,20 +5,21 @@
     <p:sldMasterId id="2147483660" r:id="rId2"/>
   </p:sldMasterIdLst>
   <p:notesMasterIdLst>
-    <p:notesMasterId r:id="rId11"/>
+    <p:notesMasterId r:id="rId12"/>
   </p:notesMasterIdLst>
   <p:handoutMasterIdLst>
-    <p:handoutMasterId r:id="rId12"/>
+    <p:handoutMasterId r:id="rId13"/>
   </p:handoutMasterIdLst>
   <p:sldIdLst>
     <p:sldId id="257" r:id="rId3"/>
     <p:sldId id="259" r:id="rId4"/>
     <p:sldId id="261" r:id="rId5"/>
     <p:sldId id="267" r:id="rId6"/>
-    <p:sldId id="268" r:id="rId7"/>
-    <p:sldId id="269" r:id="rId8"/>
-    <p:sldId id="266" r:id="rId9"/>
-    <p:sldId id="265" r:id="rId10"/>
+    <p:sldId id="269" r:id="rId7"/>
+    <p:sldId id="266" r:id="rId8"/>
+    <p:sldId id="268" r:id="rId9"/>
+    <p:sldId id="270" r:id="rId10"/>
+    <p:sldId id="265" r:id="rId11"/>
   </p:sldIdLst>
   <p:sldSz cx="9144000" cy="6858000" type="screen4x3"/>
   <p:notesSz cx="6858000" cy="9144000"/>
@@ -119,7 +120,7 @@
   </p:defaultTextStyle>
   <p:extLst>
     <p:ext uri="{EFAFB233-063F-42B5-8137-9DF3F51BA10A}">
-      <p15:sldGuideLst xmlns="" xmlns:p15="http://schemas.microsoft.com/office/powerpoint/2012/main">
+      <p15:sldGuideLst xmlns:p15="http://schemas.microsoft.com/office/powerpoint/2012/main" xmlns="">
         <p15:guide id="1" orient="horz" pos="2160" userDrawn="1">
           <p15:clr>
             <a:srgbClr val="A4A3A4"/>
@@ -193,10 +194,3278 @@
       </p15:sldGuideLst>
     </p:ext>
     <p:ext uri="{2D200454-40CA-4A62-9FC3-DE9A4176ACB9}">
-      <p15:notesGuideLst xmlns="" xmlns:p15="http://schemas.microsoft.com/office/powerpoint/2012/main"/>
+      <p15:notesGuideLst xmlns:p15="http://schemas.microsoft.com/office/powerpoint/2012/main" xmlns=""/>
     </p:ext>
   </p:extLst>
 </p:presentation>
+</file>
+
+<file path=ppt/diagrams/colors1.xml><?xml version="1.0" encoding="utf-8"?>
+<dgm:colorsDef xmlns:dgm="http://schemas.openxmlformats.org/drawingml/2006/diagram" xmlns:a="http://schemas.openxmlformats.org/drawingml/2006/main" uniqueId="urn:microsoft.com/office/officeart/2005/8/colors/accent1_2">
+  <dgm:title val=""/>
+  <dgm:desc val=""/>
+  <dgm:catLst>
+    <dgm:cat type="accent1" pri="11200"/>
+  </dgm:catLst>
+  <dgm:styleLbl name="node0">
+    <dgm:fillClrLst meth="repeat">
+      <a:schemeClr val="accent1"/>
+    </dgm:fillClrLst>
+    <dgm:linClrLst meth="repeat">
+      <a:schemeClr val="lt1"/>
+    </dgm:linClrLst>
+    <dgm:effectClrLst/>
+    <dgm:txLinClrLst/>
+    <dgm:txFillClrLst/>
+    <dgm:txEffectClrLst/>
+  </dgm:styleLbl>
+  <dgm:styleLbl name="alignNode1">
+    <dgm:fillClrLst meth="repeat">
+      <a:schemeClr val="accent1"/>
+    </dgm:fillClrLst>
+    <dgm:linClrLst meth="repeat">
+      <a:schemeClr val="accent1"/>
+    </dgm:linClrLst>
+    <dgm:effectClrLst/>
+    <dgm:txLinClrLst/>
+    <dgm:txFillClrLst/>
+    <dgm:txEffectClrLst/>
+  </dgm:styleLbl>
+  <dgm:styleLbl name="node1">
+    <dgm:fillClrLst meth="repeat">
+      <a:schemeClr val="accent1"/>
+    </dgm:fillClrLst>
+    <dgm:linClrLst meth="repeat">
+      <a:schemeClr val="lt1"/>
+    </dgm:linClrLst>
+    <dgm:effectClrLst/>
+    <dgm:txLinClrLst/>
+    <dgm:txFillClrLst/>
+    <dgm:txEffectClrLst/>
+  </dgm:styleLbl>
+  <dgm:styleLbl name="lnNode1">
+    <dgm:fillClrLst meth="repeat">
+      <a:schemeClr val="accent1"/>
+    </dgm:fillClrLst>
+    <dgm:linClrLst meth="repeat">
+      <a:schemeClr val="lt1"/>
+    </dgm:linClrLst>
+    <dgm:effectClrLst/>
+    <dgm:txLinClrLst/>
+    <dgm:txFillClrLst/>
+    <dgm:txEffectClrLst/>
+  </dgm:styleLbl>
+  <dgm:styleLbl name="vennNode1">
+    <dgm:fillClrLst meth="repeat">
+      <a:schemeClr val="accent1">
+        <a:alpha val="50000"/>
+      </a:schemeClr>
+    </dgm:fillClrLst>
+    <dgm:linClrLst meth="repeat">
+      <a:schemeClr val="lt1"/>
+    </dgm:linClrLst>
+    <dgm:effectClrLst/>
+    <dgm:txLinClrLst/>
+    <dgm:txFillClrLst/>
+    <dgm:txEffectClrLst/>
+  </dgm:styleLbl>
+  <dgm:styleLbl name="node2">
+    <dgm:fillClrLst meth="repeat">
+      <a:schemeClr val="accent1"/>
+    </dgm:fillClrLst>
+    <dgm:linClrLst meth="repeat">
+      <a:schemeClr val="lt1"/>
+    </dgm:linClrLst>
+    <dgm:effectClrLst/>
+    <dgm:txLinClrLst/>
+    <dgm:txFillClrLst/>
+    <dgm:txEffectClrLst/>
+  </dgm:styleLbl>
+  <dgm:styleLbl name="node3">
+    <dgm:fillClrLst meth="repeat">
+      <a:schemeClr val="accent1"/>
+    </dgm:fillClrLst>
+    <dgm:linClrLst meth="repeat">
+      <a:schemeClr val="lt1"/>
+    </dgm:linClrLst>
+    <dgm:effectClrLst/>
+    <dgm:txLinClrLst/>
+    <dgm:txFillClrLst/>
+    <dgm:txEffectClrLst/>
+  </dgm:styleLbl>
+  <dgm:styleLbl name="node4">
+    <dgm:fillClrLst meth="repeat">
+      <a:schemeClr val="accent1"/>
+    </dgm:fillClrLst>
+    <dgm:linClrLst meth="repeat">
+      <a:schemeClr val="lt1"/>
+    </dgm:linClrLst>
+    <dgm:effectClrLst/>
+    <dgm:txLinClrLst/>
+    <dgm:txFillClrLst/>
+    <dgm:txEffectClrLst/>
+  </dgm:styleLbl>
+  <dgm:styleLbl name="fgImgPlace1">
+    <dgm:fillClrLst meth="repeat">
+      <a:schemeClr val="accent1">
+        <a:tint val="50000"/>
+      </a:schemeClr>
+    </dgm:fillClrLst>
+    <dgm:linClrLst meth="repeat">
+      <a:schemeClr val="lt1"/>
+    </dgm:linClrLst>
+    <dgm:effectClrLst/>
+    <dgm:txLinClrLst/>
+    <dgm:txFillClrLst meth="repeat">
+      <a:schemeClr val="lt1"/>
+    </dgm:txFillClrLst>
+    <dgm:txEffectClrLst/>
+  </dgm:styleLbl>
+  <dgm:styleLbl name="alignImgPlace1">
+    <dgm:fillClrLst meth="repeat">
+      <a:schemeClr val="accent1">
+        <a:tint val="50000"/>
+      </a:schemeClr>
+    </dgm:fillClrLst>
+    <dgm:linClrLst meth="repeat">
+      <a:schemeClr val="lt1"/>
+    </dgm:linClrLst>
+    <dgm:effectClrLst/>
+    <dgm:txLinClrLst/>
+    <dgm:txFillClrLst meth="repeat">
+      <a:schemeClr val="lt1"/>
+    </dgm:txFillClrLst>
+    <dgm:txEffectClrLst/>
+  </dgm:styleLbl>
+  <dgm:styleLbl name="bgImgPlace1">
+    <dgm:fillClrLst meth="repeat">
+      <a:schemeClr val="accent1">
+        <a:tint val="50000"/>
+      </a:schemeClr>
+    </dgm:fillClrLst>
+    <dgm:linClrLst meth="repeat">
+      <a:schemeClr val="lt1"/>
+    </dgm:linClrLst>
+    <dgm:effectClrLst/>
+    <dgm:txLinClrLst/>
+    <dgm:txFillClrLst meth="repeat">
+      <a:schemeClr val="lt1"/>
+    </dgm:txFillClrLst>
+    <dgm:txEffectClrLst/>
+  </dgm:styleLbl>
+  <dgm:styleLbl name="sibTrans2D1">
+    <dgm:fillClrLst meth="repeat">
+      <a:schemeClr val="accent1">
+        <a:tint val="60000"/>
+      </a:schemeClr>
+    </dgm:fillClrLst>
+    <dgm:linClrLst meth="repeat">
+      <a:schemeClr val="accent1">
+        <a:tint val="60000"/>
+      </a:schemeClr>
+    </dgm:linClrLst>
+    <dgm:effectClrLst/>
+    <dgm:txLinClrLst/>
+    <dgm:txFillClrLst/>
+    <dgm:txEffectClrLst/>
+  </dgm:styleLbl>
+  <dgm:styleLbl name="fgSibTrans2D1">
+    <dgm:fillClrLst meth="repeat">
+      <a:schemeClr val="accent1">
+        <a:tint val="60000"/>
+      </a:schemeClr>
+    </dgm:fillClrLst>
+    <dgm:linClrLst meth="repeat">
+      <a:schemeClr val="accent1">
+        <a:tint val="60000"/>
+      </a:schemeClr>
+    </dgm:linClrLst>
+    <dgm:effectClrLst/>
+    <dgm:txLinClrLst/>
+    <dgm:txFillClrLst/>
+    <dgm:txEffectClrLst/>
+  </dgm:styleLbl>
+  <dgm:styleLbl name="bgSibTrans2D1">
+    <dgm:fillClrLst meth="repeat">
+      <a:schemeClr val="accent1">
+        <a:tint val="60000"/>
+      </a:schemeClr>
+    </dgm:fillClrLst>
+    <dgm:linClrLst meth="repeat">
+      <a:schemeClr val="accent1">
+        <a:tint val="60000"/>
+      </a:schemeClr>
+    </dgm:linClrLst>
+    <dgm:effectClrLst/>
+    <dgm:txLinClrLst/>
+    <dgm:txFillClrLst/>
+    <dgm:txEffectClrLst/>
+  </dgm:styleLbl>
+  <dgm:styleLbl name="sibTrans1D1">
+    <dgm:fillClrLst meth="repeat">
+      <a:schemeClr val="accent1"/>
+    </dgm:fillClrLst>
+    <dgm:linClrLst meth="repeat">
+      <a:schemeClr val="accent1"/>
+    </dgm:linClrLst>
+    <dgm:effectClrLst/>
+    <dgm:txLinClrLst/>
+    <dgm:txFillClrLst meth="repeat">
+      <a:schemeClr val="tx1"/>
+    </dgm:txFillClrLst>
+    <dgm:txEffectClrLst/>
+  </dgm:styleLbl>
+  <dgm:styleLbl name="callout">
+    <dgm:fillClrLst meth="repeat">
+      <a:schemeClr val="accent1"/>
+    </dgm:fillClrLst>
+    <dgm:linClrLst meth="repeat">
+      <a:schemeClr val="accent1">
+        <a:tint val="50000"/>
+      </a:schemeClr>
+    </dgm:linClrLst>
+    <dgm:effectClrLst/>
+    <dgm:txLinClrLst/>
+    <dgm:txFillClrLst meth="repeat">
+      <a:schemeClr val="tx1"/>
+    </dgm:txFillClrLst>
+    <dgm:txEffectClrLst/>
+  </dgm:styleLbl>
+  <dgm:styleLbl name="asst0">
+    <dgm:fillClrLst meth="repeat">
+      <a:schemeClr val="accent1"/>
+    </dgm:fillClrLst>
+    <dgm:linClrLst meth="repeat">
+      <a:schemeClr val="lt1"/>
+    </dgm:linClrLst>
+    <dgm:effectClrLst/>
+    <dgm:txLinClrLst/>
+    <dgm:txFillClrLst/>
+    <dgm:txEffectClrLst/>
+  </dgm:styleLbl>
+  <dgm:styleLbl name="asst1">
+    <dgm:fillClrLst meth="repeat">
+      <a:schemeClr val="accent1"/>
+    </dgm:fillClrLst>
+    <dgm:linClrLst meth="repeat">
+      <a:schemeClr val="lt1"/>
+    </dgm:linClrLst>
+    <dgm:effectClrLst/>
+    <dgm:txLinClrLst/>
+    <dgm:txFillClrLst/>
+    <dgm:txEffectClrLst/>
+  </dgm:styleLbl>
+  <dgm:styleLbl name="asst2">
+    <dgm:fillClrLst meth="repeat">
+      <a:schemeClr val="accent1"/>
+    </dgm:fillClrLst>
+    <dgm:linClrLst meth="repeat">
+      <a:schemeClr val="lt1"/>
+    </dgm:linClrLst>
+    <dgm:effectClrLst/>
+    <dgm:txLinClrLst/>
+    <dgm:txFillClrLst/>
+    <dgm:txEffectClrLst/>
+  </dgm:styleLbl>
+  <dgm:styleLbl name="asst3">
+    <dgm:fillClrLst meth="repeat">
+      <a:schemeClr val="accent1"/>
+    </dgm:fillClrLst>
+    <dgm:linClrLst meth="repeat">
+      <a:schemeClr val="lt1"/>
+    </dgm:linClrLst>
+    <dgm:effectClrLst/>
+    <dgm:txLinClrLst/>
+    <dgm:txFillClrLst/>
+    <dgm:txEffectClrLst/>
+  </dgm:styleLbl>
+  <dgm:styleLbl name="asst4">
+    <dgm:fillClrLst meth="repeat">
+      <a:schemeClr val="accent1"/>
+    </dgm:fillClrLst>
+    <dgm:linClrLst meth="repeat">
+      <a:schemeClr val="lt1"/>
+    </dgm:linClrLst>
+    <dgm:effectClrLst/>
+    <dgm:txLinClrLst/>
+    <dgm:txFillClrLst/>
+    <dgm:txEffectClrLst/>
+  </dgm:styleLbl>
+  <dgm:styleLbl name="parChTrans2D1">
+    <dgm:fillClrLst meth="repeat">
+      <a:schemeClr val="accent1">
+        <a:tint val="60000"/>
+      </a:schemeClr>
+    </dgm:fillClrLst>
+    <dgm:linClrLst meth="repeat">
+      <a:schemeClr val="accent1">
+        <a:tint val="60000"/>
+      </a:schemeClr>
+    </dgm:linClrLst>
+    <dgm:effectClrLst/>
+    <dgm:txLinClrLst/>
+    <dgm:txFillClrLst meth="repeat">
+      <a:schemeClr val="lt1"/>
+    </dgm:txFillClrLst>
+    <dgm:txEffectClrLst/>
+  </dgm:styleLbl>
+  <dgm:styleLbl name="parChTrans2D2">
+    <dgm:fillClrLst meth="repeat">
+      <a:schemeClr val="accent1"/>
+    </dgm:fillClrLst>
+    <dgm:linClrLst meth="repeat">
+      <a:schemeClr val="accent1"/>
+    </dgm:linClrLst>
+    <dgm:effectClrLst/>
+    <dgm:txLinClrLst/>
+    <dgm:txFillClrLst meth="repeat">
+      <a:schemeClr val="lt1"/>
+    </dgm:txFillClrLst>
+    <dgm:txEffectClrLst/>
+  </dgm:styleLbl>
+  <dgm:styleLbl name="parChTrans2D3">
+    <dgm:fillClrLst meth="repeat">
+      <a:schemeClr val="accent1"/>
+    </dgm:fillClrLst>
+    <dgm:linClrLst meth="repeat">
+      <a:schemeClr val="accent1"/>
+    </dgm:linClrLst>
+    <dgm:effectClrLst/>
+    <dgm:txLinClrLst/>
+    <dgm:txFillClrLst meth="repeat">
+      <a:schemeClr val="lt1"/>
+    </dgm:txFillClrLst>
+    <dgm:txEffectClrLst/>
+  </dgm:styleLbl>
+  <dgm:styleLbl name="parChTrans2D4">
+    <dgm:fillClrLst meth="repeat">
+      <a:schemeClr val="accent1"/>
+    </dgm:fillClrLst>
+    <dgm:linClrLst meth="repeat">
+      <a:schemeClr val="accent1"/>
+    </dgm:linClrLst>
+    <dgm:effectClrLst/>
+    <dgm:txLinClrLst/>
+    <dgm:txFillClrLst meth="repeat">
+      <a:schemeClr val="lt1"/>
+    </dgm:txFillClrLst>
+    <dgm:txEffectClrLst/>
+  </dgm:styleLbl>
+  <dgm:styleLbl name="parChTrans1D1">
+    <dgm:fillClrLst meth="repeat">
+      <a:schemeClr val="accent1"/>
+    </dgm:fillClrLst>
+    <dgm:linClrLst meth="repeat">
+      <a:schemeClr val="accent1">
+        <a:shade val="60000"/>
+      </a:schemeClr>
+    </dgm:linClrLst>
+    <dgm:effectClrLst/>
+    <dgm:txLinClrLst/>
+    <dgm:txFillClrLst meth="repeat">
+      <a:schemeClr val="tx1"/>
+    </dgm:txFillClrLst>
+    <dgm:txEffectClrLst/>
+  </dgm:styleLbl>
+  <dgm:styleLbl name="parChTrans1D2">
+    <dgm:fillClrLst meth="repeat">
+      <a:schemeClr val="accent1"/>
+    </dgm:fillClrLst>
+    <dgm:linClrLst meth="repeat">
+      <a:schemeClr val="accent1">
+        <a:shade val="60000"/>
+      </a:schemeClr>
+    </dgm:linClrLst>
+    <dgm:effectClrLst/>
+    <dgm:txLinClrLst/>
+    <dgm:txFillClrLst meth="repeat">
+      <a:schemeClr val="tx1"/>
+    </dgm:txFillClrLst>
+    <dgm:txEffectClrLst/>
+  </dgm:styleLbl>
+  <dgm:styleLbl name="parChTrans1D3">
+    <dgm:fillClrLst meth="repeat">
+      <a:schemeClr val="accent1"/>
+    </dgm:fillClrLst>
+    <dgm:linClrLst meth="repeat">
+      <a:schemeClr val="accent1">
+        <a:shade val="80000"/>
+      </a:schemeClr>
+    </dgm:linClrLst>
+    <dgm:effectClrLst/>
+    <dgm:txLinClrLst/>
+    <dgm:txFillClrLst meth="repeat">
+      <a:schemeClr val="tx1"/>
+    </dgm:txFillClrLst>
+    <dgm:txEffectClrLst/>
+  </dgm:styleLbl>
+  <dgm:styleLbl name="parChTrans1D4">
+    <dgm:fillClrLst meth="repeat">
+      <a:schemeClr val="accent1"/>
+    </dgm:fillClrLst>
+    <dgm:linClrLst meth="repeat">
+      <a:schemeClr val="accent1">
+        <a:shade val="80000"/>
+      </a:schemeClr>
+    </dgm:linClrLst>
+    <dgm:effectClrLst/>
+    <dgm:txLinClrLst/>
+    <dgm:txFillClrLst meth="repeat">
+      <a:schemeClr val="tx1"/>
+    </dgm:txFillClrLst>
+    <dgm:txEffectClrLst/>
+  </dgm:styleLbl>
+  <dgm:styleLbl name="fgAcc1">
+    <dgm:fillClrLst meth="repeat">
+      <a:schemeClr val="lt1">
+        <a:alpha val="90000"/>
+      </a:schemeClr>
+    </dgm:fillClrLst>
+    <dgm:linClrLst meth="repeat">
+      <a:schemeClr val="accent1"/>
+    </dgm:linClrLst>
+    <dgm:effectClrLst/>
+    <dgm:txLinClrLst/>
+    <dgm:txFillClrLst meth="repeat">
+      <a:schemeClr val="dk1"/>
+    </dgm:txFillClrLst>
+    <dgm:txEffectClrLst/>
+  </dgm:styleLbl>
+  <dgm:styleLbl name="conFgAcc1">
+    <dgm:fillClrLst meth="repeat">
+      <a:schemeClr val="lt1">
+        <a:alpha val="90000"/>
+      </a:schemeClr>
+    </dgm:fillClrLst>
+    <dgm:linClrLst meth="repeat">
+      <a:schemeClr val="accent1"/>
+    </dgm:linClrLst>
+    <dgm:effectClrLst/>
+    <dgm:txLinClrLst/>
+    <dgm:txFillClrLst meth="repeat">
+      <a:schemeClr val="dk1"/>
+    </dgm:txFillClrLst>
+    <dgm:txEffectClrLst/>
+  </dgm:styleLbl>
+  <dgm:styleLbl name="alignAcc1">
+    <dgm:fillClrLst meth="repeat">
+      <a:schemeClr val="lt1">
+        <a:alpha val="90000"/>
+      </a:schemeClr>
+    </dgm:fillClrLst>
+    <dgm:linClrLst meth="repeat">
+      <a:schemeClr val="accent1"/>
+    </dgm:linClrLst>
+    <dgm:effectClrLst/>
+    <dgm:txLinClrLst/>
+    <dgm:txFillClrLst meth="repeat">
+      <a:schemeClr val="dk1"/>
+    </dgm:txFillClrLst>
+    <dgm:txEffectClrLst/>
+  </dgm:styleLbl>
+  <dgm:styleLbl name="trAlignAcc1">
+    <dgm:fillClrLst meth="repeat">
+      <a:schemeClr val="lt1">
+        <a:alpha val="40000"/>
+      </a:schemeClr>
+    </dgm:fillClrLst>
+    <dgm:linClrLst meth="repeat">
+      <a:schemeClr val="accent1"/>
+    </dgm:linClrLst>
+    <dgm:effectClrLst/>
+    <dgm:txLinClrLst/>
+    <dgm:txFillClrLst meth="repeat">
+      <a:schemeClr val="dk1"/>
+    </dgm:txFillClrLst>
+    <dgm:txEffectClrLst/>
+  </dgm:styleLbl>
+  <dgm:styleLbl name="bgAcc1">
+    <dgm:fillClrLst meth="repeat">
+      <a:schemeClr val="lt1">
+        <a:alpha val="90000"/>
+      </a:schemeClr>
+    </dgm:fillClrLst>
+    <dgm:linClrLst meth="repeat">
+      <a:schemeClr val="accent1"/>
+    </dgm:linClrLst>
+    <dgm:effectClrLst/>
+    <dgm:txLinClrLst/>
+    <dgm:txFillClrLst meth="repeat">
+      <a:schemeClr val="dk1"/>
+    </dgm:txFillClrLst>
+    <dgm:txEffectClrLst/>
+  </dgm:styleLbl>
+  <dgm:styleLbl name="solidFgAcc1">
+    <dgm:fillClrLst meth="repeat">
+      <a:schemeClr val="lt1"/>
+    </dgm:fillClrLst>
+    <dgm:linClrLst meth="repeat">
+      <a:schemeClr val="accent1"/>
+    </dgm:linClrLst>
+    <dgm:effectClrLst/>
+    <dgm:txLinClrLst/>
+    <dgm:txFillClrLst meth="repeat">
+      <a:schemeClr val="dk1"/>
+    </dgm:txFillClrLst>
+    <dgm:txEffectClrLst/>
+  </dgm:styleLbl>
+  <dgm:styleLbl name="solidAlignAcc1">
+    <dgm:fillClrLst meth="repeat">
+      <a:schemeClr val="lt1"/>
+    </dgm:fillClrLst>
+    <dgm:linClrLst meth="repeat">
+      <a:schemeClr val="accent1"/>
+    </dgm:linClrLst>
+    <dgm:effectClrLst/>
+    <dgm:txLinClrLst/>
+    <dgm:txFillClrLst meth="repeat">
+      <a:schemeClr val="dk1"/>
+    </dgm:txFillClrLst>
+    <dgm:txEffectClrLst/>
+  </dgm:styleLbl>
+  <dgm:styleLbl name="solidBgAcc1">
+    <dgm:fillClrLst meth="repeat">
+      <a:schemeClr val="lt1"/>
+    </dgm:fillClrLst>
+    <dgm:linClrLst meth="repeat">
+      <a:schemeClr val="accent1"/>
+    </dgm:linClrLst>
+    <dgm:effectClrLst/>
+    <dgm:txLinClrLst/>
+    <dgm:txFillClrLst meth="repeat">
+      <a:schemeClr val="dk1"/>
+    </dgm:txFillClrLst>
+    <dgm:txEffectClrLst/>
+  </dgm:styleLbl>
+  <dgm:styleLbl name="fgAccFollowNode1">
+    <dgm:fillClrLst meth="repeat">
+      <a:schemeClr val="accent1">
+        <a:alpha val="90000"/>
+        <a:tint val="40000"/>
+      </a:schemeClr>
+    </dgm:fillClrLst>
+    <dgm:linClrLst meth="repeat">
+      <a:schemeClr val="accent1">
+        <a:alpha val="90000"/>
+        <a:tint val="40000"/>
+      </a:schemeClr>
+    </dgm:linClrLst>
+    <dgm:effectClrLst/>
+    <dgm:txLinClrLst/>
+    <dgm:txFillClrLst meth="repeat">
+      <a:schemeClr val="dk1"/>
+    </dgm:txFillClrLst>
+    <dgm:txEffectClrLst/>
+  </dgm:styleLbl>
+  <dgm:styleLbl name="alignAccFollowNode1">
+    <dgm:fillClrLst meth="repeat">
+      <a:schemeClr val="accent1">
+        <a:alpha val="90000"/>
+        <a:tint val="40000"/>
+      </a:schemeClr>
+    </dgm:fillClrLst>
+    <dgm:linClrLst meth="repeat">
+      <a:schemeClr val="accent1">
+        <a:alpha val="90000"/>
+        <a:tint val="40000"/>
+      </a:schemeClr>
+    </dgm:linClrLst>
+    <dgm:effectClrLst/>
+    <dgm:txLinClrLst/>
+    <dgm:txFillClrLst meth="repeat">
+      <a:schemeClr val="dk1"/>
+    </dgm:txFillClrLst>
+    <dgm:txEffectClrLst/>
+  </dgm:styleLbl>
+  <dgm:styleLbl name="bgAccFollowNode1">
+    <dgm:fillClrLst meth="repeat">
+      <a:schemeClr val="accent1">
+        <a:alpha val="90000"/>
+        <a:tint val="40000"/>
+      </a:schemeClr>
+    </dgm:fillClrLst>
+    <dgm:linClrLst meth="repeat">
+      <a:schemeClr val="accent1">
+        <a:alpha val="90000"/>
+        <a:tint val="40000"/>
+      </a:schemeClr>
+    </dgm:linClrLst>
+    <dgm:effectClrLst/>
+    <dgm:txLinClrLst/>
+    <dgm:txFillClrLst meth="repeat">
+      <a:schemeClr val="dk1"/>
+    </dgm:txFillClrLst>
+    <dgm:txEffectClrLst/>
+  </dgm:styleLbl>
+  <dgm:styleLbl name="fgAcc0">
+    <dgm:fillClrLst meth="repeat">
+      <a:schemeClr val="lt1">
+        <a:alpha val="90000"/>
+      </a:schemeClr>
+    </dgm:fillClrLst>
+    <dgm:linClrLst meth="repeat">
+      <a:schemeClr val="accent1"/>
+    </dgm:linClrLst>
+    <dgm:effectClrLst/>
+    <dgm:txLinClrLst/>
+    <dgm:txFillClrLst meth="repeat">
+      <a:schemeClr val="dk1"/>
+    </dgm:txFillClrLst>
+    <dgm:txEffectClrLst/>
+  </dgm:styleLbl>
+  <dgm:styleLbl name="fgAcc2">
+    <dgm:fillClrLst meth="repeat">
+      <a:schemeClr val="lt1">
+        <a:alpha val="90000"/>
+      </a:schemeClr>
+    </dgm:fillClrLst>
+    <dgm:linClrLst meth="repeat">
+      <a:schemeClr val="accent1"/>
+    </dgm:linClrLst>
+    <dgm:effectClrLst/>
+    <dgm:txLinClrLst/>
+    <dgm:txFillClrLst meth="repeat">
+      <a:schemeClr val="dk1"/>
+    </dgm:txFillClrLst>
+    <dgm:txEffectClrLst/>
+  </dgm:styleLbl>
+  <dgm:styleLbl name="fgAcc3">
+    <dgm:fillClrLst meth="repeat">
+      <a:schemeClr val="lt1">
+        <a:alpha val="90000"/>
+      </a:schemeClr>
+    </dgm:fillClrLst>
+    <dgm:linClrLst meth="repeat">
+      <a:schemeClr val="accent1"/>
+    </dgm:linClrLst>
+    <dgm:effectClrLst/>
+    <dgm:txLinClrLst/>
+    <dgm:txFillClrLst meth="repeat">
+      <a:schemeClr val="dk1"/>
+    </dgm:txFillClrLst>
+    <dgm:txEffectClrLst/>
+  </dgm:styleLbl>
+  <dgm:styleLbl name="fgAcc4">
+    <dgm:fillClrLst meth="repeat">
+      <a:schemeClr val="lt1">
+        <a:alpha val="90000"/>
+      </a:schemeClr>
+    </dgm:fillClrLst>
+    <dgm:linClrLst meth="repeat">
+      <a:schemeClr val="accent1"/>
+    </dgm:linClrLst>
+    <dgm:effectClrLst/>
+    <dgm:txLinClrLst/>
+    <dgm:txFillClrLst meth="repeat">
+      <a:schemeClr val="dk1"/>
+    </dgm:txFillClrLst>
+    <dgm:txEffectClrLst/>
+  </dgm:styleLbl>
+  <dgm:styleLbl name="bgShp">
+    <dgm:fillClrLst meth="repeat">
+      <a:schemeClr val="accent1">
+        <a:tint val="40000"/>
+      </a:schemeClr>
+    </dgm:fillClrLst>
+    <dgm:linClrLst meth="repeat">
+      <a:schemeClr val="accent1"/>
+    </dgm:linClrLst>
+    <dgm:effectClrLst/>
+    <dgm:txLinClrLst/>
+    <dgm:txFillClrLst meth="repeat">
+      <a:schemeClr val="dk1"/>
+    </dgm:txFillClrLst>
+    <dgm:txEffectClrLst/>
+  </dgm:styleLbl>
+  <dgm:styleLbl name="dkBgShp">
+    <dgm:fillClrLst meth="repeat">
+      <a:schemeClr val="accent1">
+        <a:shade val="80000"/>
+      </a:schemeClr>
+    </dgm:fillClrLst>
+    <dgm:linClrLst meth="repeat">
+      <a:schemeClr val="accent1"/>
+    </dgm:linClrLst>
+    <dgm:effectClrLst/>
+    <dgm:txLinClrLst/>
+    <dgm:txFillClrLst meth="repeat">
+      <a:schemeClr val="lt1"/>
+    </dgm:txFillClrLst>
+    <dgm:txEffectClrLst/>
+  </dgm:styleLbl>
+  <dgm:styleLbl name="trBgShp">
+    <dgm:fillClrLst meth="repeat">
+      <a:schemeClr val="accent1">
+        <a:tint val="50000"/>
+        <a:alpha val="40000"/>
+      </a:schemeClr>
+    </dgm:fillClrLst>
+    <dgm:linClrLst meth="repeat">
+      <a:schemeClr val="accent1"/>
+    </dgm:linClrLst>
+    <dgm:effectClrLst/>
+    <dgm:txLinClrLst/>
+    <dgm:txFillClrLst meth="repeat">
+      <a:schemeClr val="lt1"/>
+    </dgm:txFillClrLst>
+    <dgm:txEffectClrLst/>
+  </dgm:styleLbl>
+  <dgm:styleLbl name="fgShp">
+    <dgm:fillClrLst meth="repeat">
+      <a:schemeClr val="accent1">
+        <a:tint val="60000"/>
+      </a:schemeClr>
+    </dgm:fillClrLst>
+    <dgm:linClrLst meth="repeat">
+      <a:schemeClr val="lt1"/>
+    </dgm:linClrLst>
+    <dgm:effectClrLst/>
+    <dgm:txLinClrLst/>
+    <dgm:txFillClrLst meth="repeat">
+      <a:schemeClr val="dk1"/>
+    </dgm:txFillClrLst>
+    <dgm:txEffectClrLst/>
+  </dgm:styleLbl>
+  <dgm:styleLbl name="revTx">
+    <dgm:fillClrLst meth="repeat">
+      <a:schemeClr val="lt1">
+        <a:alpha val="0"/>
+      </a:schemeClr>
+    </dgm:fillClrLst>
+    <dgm:linClrLst meth="repeat">
+      <a:schemeClr val="dk1">
+        <a:alpha val="0"/>
+      </a:schemeClr>
+    </dgm:linClrLst>
+    <dgm:effectClrLst/>
+    <dgm:txLinClrLst/>
+    <dgm:txFillClrLst meth="repeat">
+      <a:schemeClr val="tx1"/>
+    </dgm:txFillClrLst>
+    <dgm:txEffectClrLst/>
+  </dgm:styleLbl>
+</dgm:colorsDef>
+</file>
+
+<file path=ppt/diagrams/data1.xml><?xml version="1.0" encoding="utf-8"?>
+<dgm:dataModel xmlns:dgm="http://schemas.openxmlformats.org/drawingml/2006/diagram" xmlns:a="http://schemas.openxmlformats.org/drawingml/2006/main">
+  <dgm:ptLst>
+    <dgm:pt modelId="{CBE68F96-89C8-4389-B3B0-A60C07AFA6E6}" type="doc">
+      <dgm:prSet loTypeId="urn:microsoft.com/office/officeart/2005/8/layout/process2" loCatId="process" qsTypeId="urn:microsoft.com/office/officeart/2005/8/quickstyle/simple1" qsCatId="simple" csTypeId="urn:microsoft.com/office/officeart/2005/8/colors/accent1_2" csCatId="accent1" phldr="1"/>
+      <dgm:spPr/>
+      <dgm:t>
+        <a:bodyPr/>
+        <a:lstStyle/>
+        <a:p>
+          <a:endParaRPr lang="en-ZA"/>
+        </a:p>
+      </dgm:t>
+    </dgm:pt>
+    <dgm:pt modelId="{AAD92323-C489-44B1-AC4F-BF3E44649CD1}">
+      <dgm:prSet phldrT="[Text]"/>
+      <dgm:spPr/>
+      <dgm:t>
+        <a:bodyPr/>
+        <a:lstStyle/>
+        <a:p>
+          <a:r>
+            <a:rPr lang="en-ZA" dirty="0" smtClean="0"/>
+            <a:t>SRS</a:t>
+          </a:r>
+          <a:endParaRPr lang="en-ZA" dirty="0"/>
+        </a:p>
+      </dgm:t>
+    </dgm:pt>
+    <dgm:pt modelId="{6156862B-919D-4843-98F8-675367551794}" type="parTrans" cxnId="{9B7FBDE7-BF59-419F-9F08-D3A4681B438B}">
+      <dgm:prSet/>
+      <dgm:spPr/>
+      <dgm:t>
+        <a:bodyPr/>
+        <a:lstStyle/>
+        <a:p>
+          <a:endParaRPr lang="en-ZA"/>
+        </a:p>
+      </dgm:t>
+    </dgm:pt>
+    <dgm:pt modelId="{1E9179C2-916E-4A3B-A3CF-DF8E80578314}" type="sibTrans" cxnId="{9B7FBDE7-BF59-419F-9F08-D3A4681B438B}">
+      <dgm:prSet/>
+      <dgm:spPr/>
+      <dgm:t>
+        <a:bodyPr/>
+        <a:lstStyle/>
+        <a:p>
+          <a:endParaRPr lang="en-ZA"/>
+        </a:p>
+      </dgm:t>
+    </dgm:pt>
+    <dgm:pt modelId="{B6B66AB5-6C31-4B5F-93E1-8F76E49BB650}">
+      <dgm:prSet phldrT="[Text]"/>
+      <dgm:spPr/>
+      <dgm:t>
+        <a:bodyPr/>
+        <a:lstStyle/>
+        <a:p>
+          <a:r>
+            <a:rPr lang="en-ZA" dirty="0" smtClean="0"/>
+            <a:t>PSAC</a:t>
+          </a:r>
+          <a:endParaRPr lang="en-ZA" dirty="0"/>
+        </a:p>
+      </dgm:t>
+    </dgm:pt>
+    <dgm:pt modelId="{1D8308EB-D457-4B19-9144-B6BDC74BBD90}" type="parTrans" cxnId="{87527954-69AA-4C26-8DC2-0CA36D5FE8EA}">
+      <dgm:prSet/>
+      <dgm:spPr/>
+      <dgm:t>
+        <a:bodyPr/>
+        <a:lstStyle/>
+        <a:p>
+          <a:endParaRPr lang="en-ZA"/>
+        </a:p>
+      </dgm:t>
+    </dgm:pt>
+    <dgm:pt modelId="{A45D5F63-C5E3-47F8-AB0E-319C4686FB99}" type="sibTrans" cxnId="{87527954-69AA-4C26-8DC2-0CA36D5FE8EA}">
+      <dgm:prSet/>
+      <dgm:spPr/>
+      <dgm:t>
+        <a:bodyPr/>
+        <a:lstStyle/>
+        <a:p>
+          <a:endParaRPr lang="en-ZA"/>
+        </a:p>
+      </dgm:t>
+    </dgm:pt>
+    <dgm:pt modelId="{2820C90F-A052-410A-8796-E35727C61AB1}">
+      <dgm:prSet phldrT="[Text]"/>
+      <dgm:spPr/>
+      <dgm:t>
+        <a:bodyPr/>
+        <a:lstStyle/>
+        <a:p>
+          <a:r>
+            <a:rPr lang="en-ZA" dirty="0" smtClean="0"/>
+            <a:t>SDD</a:t>
+          </a:r>
+          <a:endParaRPr lang="en-ZA" dirty="0"/>
+        </a:p>
+      </dgm:t>
+    </dgm:pt>
+    <dgm:pt modelId="{78E55CB7-15F5-423B-94D1-79A160D30E0A}" type="parTrans" cxnId="{3D8B1B7C-91AF-49D2-B70D-23E1A7D3B1E5}">
+      <dgm:prSet/>
+      <dgm:spPr/>
+      <dgm:t>
+        <a:bodyPr/>
+        <a:lstStyle/>
+        <a:p>
+          <a:endParaRPr lang="en-ZA"/>
+        </a:p>
+      </dgm:t>
+    </dgm:pt>
+    <dgm:pt modelId="{2D947E25-C16B-42FD-80F9-097235D840FE}" type="sibTrans" cxnId="{3D8B1B7C-91AF-49D2-B70D-23E1A7D3B1E5}">
+      <dgm:prSet/>
+      <dgm:spPr/>
+      <dgm:t>
+        <a:bodyPr/>
+        <a:lstStyle/>
+        <a:p>
+          <a:endParaRPr lang="en-ZA"/>
+        </a:p>
+      </dgm:t>
+    </dgm:pt>
+    <dgm:pt modelId="{C1A2ECBC-96F4-49E9-89CE-643A37EAFA9B}">
+      <dgm:prSet/>
+      <dgm:spPr/>
+      <dgm:t>
+        <a:bodyPr/>
+        <a:lstStyle/>
+        <a:p>
+          <a:r>
+            <a:rPr lang="en-ZA" dirty="0" smtClean="0"/>
+            <a:t>Coding</a:t>
+          </a:r>
+        </a:p>
+      </dgm:t>
+    </dgm:pt>
+    <dgm:pt modelId="{525DE2EB-6B3A-4213-8E65-36CD43ABA2F6}" type="parTrans" cxnId="{3C83514D-0E2D-4F02-BDC1-94D74577E91D}">
+      <dgm:prSet/>
+      <dgm:spPr/>
+      <dgm:t>
+        <a:bodyPr/>
+        <a:lstStyle/>
+        <a:p>
+          <a:endParaRPr lang="en-ZA"/>
+        </a:p>
+      </dgm:t>
+    </dgm:pt>
+    <dgm:pt modelId="{8B974063-B1DE-4251-8A63-72D8186D41BF}" type="sibTrans" cxnId="{3C83514D-0E2D-4F02-BDC1-94D74577E91D}">
+      <dgm:prSet/>
+      <dgm:spPr/>
+      <dgm:t>
+        <a:bodyPr/>
+        <a:lstStyle/>
+        <a:p>
+          <a:endParaRPr lang="en-ZA"/>
+        </a:p>
+      </dgm:t>
+    </dgm:pt>
+    <dgm:pt modelId="{1A75F6BB-B0E0-4EE8-9800-137D7E40F05F}">
+      <dgm:prSet/>
+      <dgm:spPr/>
+      <dgm:t>
+        <a:bodyPr/>
+        <a:lstStyle/>
+        <a:p>
+          <a:r>
+            <a:rPr lang="en-ZA" smtClean="0"/>
+            <a:t>Testing &amp; ATP</a:t>
+          </a:r>
+          <a:endParaRPr lang="en-ZA" dirty="0"/>
+        </a:p>
+      </dgm:t>
+    </dgm:pt>
+    <dgm:pt modelId="{3B3E3129-D855-45EB-8516-A4A49E647C63}" type="parTrans" cxnId="{D082DA6C-6C77-467F-B0E8-090BFE29843B}">
+      <dgm:prSet/>
+      <dgm:spPr/>
+      <dgm:t>
+        <a:bodyPr/>
+        <a:lstStyle/>
+        <a:p>
+          <a:endParaRPr lang="en-ZA"/>
+        </a:p>
+      </dgm:t>
+    </dgm:pt>
+    <dgm:pt modelId="{D729FD14-48D0-4CC4-9926-F3919B7E762C}" type="sibTrans" cxnId="{D082DA6C-6C77-467F-B0E8-090BFE29843B}">
+      <dgm:prSet/>
+      <dgm:spPr/>
+      <dgm:t>
+        <a:bodyPr/>
+        <a:lstStyle/>
+        <a:p>
+          <a:endParaRPr lang="en-ZA"/>
+        </a:p>
+      </dgm:t>
+    </dgm:pt>
+    <dgm:pt modelId="{F47371DB-8BEA-432B-ADA0-92D74E0702F9}">
+      <dgm:prSet/>
+      <dgm:spPr/>
+      <dgm:t>
+        <a:bodyPr/>
+        <a:lstStyle/>
+        <a:p>
+          <a:r>
+            <a:rPr lang="en-ZA" dirty="0" smtClean="0"/>
+            <a:t>Final Documentation</a:t>
+          </a:r>
+          <a:endParaRPr lang="en-ZA" dirty="0"/>
+        </a:p>
+      </dgm:t>
+    </dgm:pt>
+    <dgm:pt modelId="{9A8F9194-ED8A-4073-8172-A824663106CD}" type="parTrans" cxnId="{E8E79792-F14B-4744-80AE-834963824FC8}">
+      <dgm:prSet/>
+      <dgm:spPr/>
+      <dgm:t>
+        <a:bodyPr/>
+        <a:lstStyle/>
+        <a:p>
+          <a:endParaRPr lang="en-ZA"/>
+        </a:p>
+      </dgm:t>
+    </dgm:pt>
+    <dgm:pt modelId="{B57E6720-3994-43C0-84D2-502851A5528A}" type="sibTrans" cxnId="{E8E79792-F14B-4744-80AE-834963824FC8}">
+      <dgm:prSet/>
+      <dgm:spPr/>
+      <dgm:t>
+        <a:bodyPr/>
+        <a:lstStyle/>
+        <a:p>
+          <a:endParaRPr lang="en-ZA"/>
+        </a:p>
+      </dgm:t>
+    </dgm:pt>
+    <dgm:pt modelId="{BBD1517F-8595-43FF-B8A2-BFDF5EABC173}" type="pres">
+      <dgm:prSet presAssocID="{CBE68F96-89C8-4389-B3B0-A60C07AFA6E6}" presName="linearFlow" presStyleCnt="0">
+        <dgm:presLayoutVars>
+          <dgm:resizeHandles val="exact"/>
+        </dgm:presLayoutVars>
+      </dgm:prSet>
+      <dgm:spPr/>
+      <dgm:t>
+        <a:bodyPr/>
+        <a:lstStyle/>
+        <a:p>
+          <a:endParaRPr lang="en-ZA"/>
+        </a:p>
+      </dgm:t>
+    </dgm:pt>
+    <dgm:pt modelId="{77250FC4-3CD4-4BD3-83CF-DF8D02B9DCB1}" type="pres">
+      <dgm:prSet presAssocID="{AAD92323-C489-44B1-AC4F-BF3E44649CD1}" presName="node" presStyleLbl="node1" presStyleIdx="0" presStyleCnt="6" custLinFactX="-13014" custLinFactNeighborX="-100000" custLinFactNeighborY="5830">
+        <dgm:presLayoutVars>
+          <dgm:bulletEnabled val="1"/>
+        </dgm:presLayoutVars>
+      </dgm:prSet>
+      <dgm:spPr/>
+      <dgm:t>
+        <a:bodyPr/>
+        <a:lstStyle/>
+        <a:p>
+          <a:endParaRPr lang="en-ZA"/>
+        </a:p>
+      </dgm:t>
+    </dgm:pt>
+    <dgm:pt modelId="{0FA3274E-7887-46B3-8442-535265B3BE97}" type="pres">
+      <dgm:prSet presAssocID="{1E9179C2-916E-4A3B-A3CF-DF8E80578314}" presName="sibTrans" presStyleLbl="sibTrans2D1" presStyleIdx="0" presStyleCnt="5"/>
+      <dgm:spPr/>
+      <dgm:t>
+        <a:bodyPr/>
+        <a:lstStyle/>
+        <a:p>
+          <a:endParaRPr lang="en-ZA"/>
+        </a:p>
+      </dgm:t>
+    </dgm:pt>
+    <dgm:pt modelId="{27D75239-A8E8-4AD8-B82C-B2A103CDCEB6}" type="pres">
+      <dgm:prSet presAssocID="{1E9179C2-916E-4A3B-A3CF-DF8E80578314}" presName="connectorText" presStyleLbl="sibTrans2D1" presStyleIdx="0" presStyleCnt="5"/>
+      <dgm:spPr/>
+      <dgm:t>
+        <a:bodyPr/>
+        <a:lstStyle/>
+        <a:p>
+          <a:endParaRPr lang="en-ZA"/>
+        </a:p>
+      </dgm:t>
+    </dgm:pt>
+    <dgm:pt modelId="{FB21C287-DDB9-4E6E-8134-F3A4E6900117}" type="pres">
+      <dgm:prSet presAssocID="{B6B66AB5-6C31-4B5F-93E1-8F76E49BB650}" presName="node" presStyleLbl="node1" presStyleIdx="1" presStyleCnt="6" custLinFactX="-13014" custLinFactNeighborX="-100000" custLinFactNeighborY="5830">
+        <dgm:presLayoutVars>
+          <dgm:bulletEnabled val="1"/>
+        </dgm:presLayoutVars>
+      </dgm:prSet>
+      <dgm:spPr/>
+      <dgm:t>
+        <a:bodyPr/>
+        <a:lstStyle/>
+        <a:p>
+          <a:endParaRPr lang="en-ZA"/>
+        </a:p>
+      </dgm:t>
+    </dgm:pt>
+    <dgm:pt modelId="{CD4CD681-E631-4A2A-8903-86E13A46DBBC}" type="pres">
+      <dgm:prSet presAssocID="{A45D5F63-C5E3-47F8-AB0E-319C4686FB99}" presName="sibTrans" presStyleLbl="sibTrans2D1" presStyleIdx="1" presStyleCnt="5"/>
+      <dgm:spPr/>
+      <dgm:t>
+        <a:bodyPr/>
+        <a:lstStyle/>
+        <a:p>
+          <a:endParaRPr lang="en-ZA"/>
+        </a:p>
+      </dgm:t>
+    </dgm:pt>
+    <dgm:pt modelId="{AB83B138-2A57-4F41-985D-0DF9933E58FD}" type="pres">
+      <dgm:prSet presAssocID="{A45D5F63-C5E3-47F8-AB0E-319C4686FB99}" presName="connectorText" presStyleLbl="sibTrans2D1" presStyleIdx="1" presStyleCnt="5"/>
+      <dgm:spPr/>
+      <dgm:t>
+        <a:bodyPr/>
+        <a:lstStyle/>
+        <a:p>
+          <a:endParaRPr lang="en-ZA"/>
+        </a:p>
+      </dgm:t>
+    </dgm:pt>
+    <dgm:pt modelId="{AAD76F6B-85DD-4996-A1DA-7B3AC0892BDF}" type="pres">
+      <dgm:prSet presAssocID="{2820C90F-A052-410A-8796-E35727C61AB1}" presName="node" presStyleLbl="node1" presStyleIdx="2" presStyleCnt="6" custLinFactX="-13014" custLinFactNeighborX="-100000" custLinFactNeighborY="5830">
+        <dgm:presLayoutVars>
+          <dgm:bulletEnabled val="1"/>
+        </dgm:presLayoutVars>
+      </dgm:prSet>
+      <dgm:spPr/>
+      <dgm:t>
+        <a:bodyPr/>
+        <a:lstStyle/>
+        <a:p>
+          <a:endParaRPr lang="en-ZA"/>
+        </a:p>
+      </dgm:t>
+    </dgm:pt>
+    <dgm:pt modelId="{6BA4E6BB-2803-441C-AFDF-3F1A3E073117}" type="pres">
+      <dgm:prSet presAssocID="{2D947E25-C16B-42FD-80F9-097235D840FE}" presName="sibTrans" presStyleLbl="sibTrans2D1" presStyleIdx="2" presStyleCnt="5"/>
+      <dgm:spPr/>
+      <dgm:t>
+        <a:bodyPr/>
+        <a:lstStyle/>
+        <a:p>
+          <a:endParaRPr lang="en-ZA"/>
+        </a:p>
+      </dgm:t>
+    </dgm:pt>
+    <dgm:pt modelId="{E4E9F33E-FEB6-4B1D-B1CA-32DE732DD70F}" type="pres">
+      <dgm:prSet presAssocID="{2D947E25-C16B-42FD-80F9-097235D840FE}" presName="connectorText" presStyleLbl="sibTrans2D1" presStyleIdx="2" presStyleCnt="5"/>
+      <dgm:spPr/>
+      <dgm:t>
+        <a:bodyPr/>
+        <a:lstStyle/>
+        <a:p>
+          <a:endParaRPr lang="en-ZA"/>
+        </a:p>
+      </dgm:t>
+    </dgm:pt>
+    <dgm:pt modelId="{732916D8-68AD-487E-AEC1-35EF61FAD896}" type="pres">
+      <dgm:prSet presAssocID="{C1A2ECBC-96F4-49E9-89CE-643A37EAFA9B}" presName="node" presStyleLbl="node1" presStyleIdx="3" presStyleCnt="6" custLinFactX="-13014" custLinFactNeighborX="-100000" custLinFactNeighborY="5830">
+        <dgm:presLayoutVars>
+          <dgm:bulletEnabled val="1"/>
+        </dgm:presLayoutVars>
+      </dgm:prSet>
+      <dgm:spPr/>
+      <dgm:t>
+        <a:bodyPr/>
+        <a:lstStyle/>
+        <a:p>
+          <a:endParaRPr lang="en-ZA"/>
+        </a:p>
+      </dgm:t>
+    </dgm:pt>
+    <dgm:pt modelId="{2354E252-F4A1-4619-87D5-32227FCB99F2}" type="pres">
+      <dgm:prSet presAssocID="{8B974063-B1DE-4251-8A63-72D8186D41BF}" presName="sibTrans" presStyleLbl="sibTrans2D1" presStyleIdx="3" presStyleCnt="5"/>
+      <dgm:spPr/>
+      <dgm:t>
+        <a:bodyPr/>
+        <a:lstStyle/>
+        <a:p>
+          <a:endParaRPr lang="en-ZA"/>
+        </a:p>
+      </dgm:t>
+    </dgm:pt>
+    <dgm:pt modelId="{9825CFF7-6447-4F43-8805-529CAD78ED53}" type="pres">
+      <dgm:prSet presAssocID="{8B974063-B1DE-4251-8A63-72D8186D41BF}" presName="connectorText" presStyleLbl="sibTrans2D1" presStyleIdx="3" presStyleCnt="5"/>
+      <dgm:spPr/>
+      <dgm:t>
+        <a:bodyPr/>
+        <a:lstStyle/>
+        <a:p>
+          <a:endParaRPr lang="en-ZA"/>
+        </a:p>
+      </dgm:t>
+    </dgm:pt>
+    <dgm:pt modelId="{2AA5EB6B-6F84-481E-A18B-83054F65A1F2}" type="pres">
+      <dgm:prSet presAssocID="{1A75F6BB-B0E0-4EE8-9800-137D7E40F05F}" presName="node" presStyleLbl="node1" presStyleIdx="4" presStyleCnt="6" custLinFactX="-13014" custLinFactNeighborX="-100000" custLinFactNeighborY="5830">
+        <dgm:presLayoutVars>
+          <dgm:bulletEnabled val="1"/>
+        </dgm:presLayoutVars>
+      </dgm:prSet>
+      <dgm:spPr/>
+      <dgm:t>
+        <a:bodyPr/>
+        <a:lstStyle/>
+        <a:p>
+          <a:endParaRPr lang="en-ZA"/>
+        </a:p>
+      </dgm:t>
+    </dgm:pt>
+    <dgm:pt modelId="{AD0CCC23-1F57-49C7-B76F-B4723BE73D69}" type="pres">
+      <dgm:prSet presAssocID="{D729FD14-48D0-4CC4-9926-F3919B7E762C}" presName="sibTrans" presStyleLbl="sibTrans2D1" presStyleIdx="4" presStyleCnt="5"/>
+      <dgm:spPr/>
+      <dgm:t>
+        <a:bodyPr/>
+        <a:lstStyle/>
+        <a:p>
+          <a:endParaRPr lang="en-ZA"/>
+        </a:p>
+      </dgm:t>
+    </dgm:pt>
+    <dgm:pt modelId="{C6F8793C-44C2-4F66-9B04-8FD07C3AE97D}" type="pres">
+      <dgm:prSet presAssocID="{D729FD14-48D0-4CC4-9926-F3919B7E762C}" presName="connectorText" presStyleLbl="sibTrans2D1" presStyleIdx="4" presStyleCnt="5"/>
+      <dgm:spPr/>
+      <dgm:t>
+        <a:bodyPr/>
+        <a:lstStyle/>
+        <a:p>
+          <a:endParaRPr lang="en-ZA"/>
+        </a:p>
+      </dgm:t>
+    </dgm:pt>
+    <dgm:pt modelId="{B0AFBA69-F6EE-4B41-94B1-52466432E21A}" type="pres">
+      <dgm:prSet presAssocID="{F47371DB-8BEA-432B-ADA0-92D74E0702F9}" presName="node" presStyleLbl="node1" presStyleIdx="5" presStyleCnt="6" custLinFactX="-13014" custLinFactNeighborX="-100000" custLinFactNeighborY="-19383">
+        <dgm:presLayoutVars>
+          <dgm:bulletEnabled val="1"/>
+        </dgm:presLayoutVars>
+      </dgm:prSet>
+      <dgm:spPr/>
+      <dgm:t>
+        <a:bodyPr/>
+        <a:lstStyle/>
+        <a:p>
+          <a:endParaRPr lang="en-ZA"/>
+        </a:p>
+      </dgm:t>
+    </dgm:pt>
+  </dgm:ptLst>
+  <dgm:cxnLst>
+    <dgm:cxn modelId="{3C83514D-0E2D-4F02-BDC1-94D74577E91D}" srcId="{CBE68F96-89C8-4389-B3B0-A60C07AFA6E6}" destId="{C1A2ECBC-96F4-49E9-89CE-643A37EAFA9B}" srcOrd="3" destOrd="0" parTransId="{525DE2EB-6B3A-4213-8E65-36CD43ABA2F6}" sibTransId="{8B974063-B1DE-4251-8A63-72D8186D41BF}"/>
+    <dgm:cxn modelId="{7CC6CE63-CB22-400E-8D48-0FD09633AED2}" type="presOf" srcId="{CBE68F96-89C8-4389-B3B0-A60C07AFA6E6}" destId="{BBD1517F-8595-43FF-B8A2-BFDF5EABC173}" srcOrd="0" destOrd="0" presId="urn:microsoft.com/office/officeart/2005/8/layout/process2"/>
+    <dgm:cxn modelId="{0E2BDD81-F05F-4A62-87A3-1354F4E5428E}" type="presOf" srcId="{D729FD14-48D0-4CC4-9926-F3919B7E762C}" destId="{AD0CCC23-1F57-49C7-B76F-B4723BE73D69}" srcOrd="0" destOrd="0" presId="urn:microsoft.com/office/officeart/2005/8/layout/process2"/>
+    <dgm:cxn modelId="{DFE1707D-A897-4220-A3A1-CD68A2092A65}" type="presOf" srcId="{2D947E25-C16B-42FD-80F9-097235D840FE}" destId="{6BA4E6BB-2803-441C-AFDF-3F1A3E073117}" srcOrd="0" destOrd="0" presId="urn:microsoft.com/office/officeart/2005/8/layout/process2"/>
+    <dgm:cxn modelId="{7E4616DD-6D95-4577-B40F-2EBA20D667BF}" type="presOf" srcId="{1A75F6BB-B0E0-4EE8-9800-137D7E40F05F}" destId="{2AA5EB6B-6F84-481E-A18B-83054F65A1F2}" srcOrd="0" destOrd="0" presId="urn:microsoft.com/office/officeart/2005/8/layout/process2"/>
+    <dgm:cxn modelId="{3D8B1B7C-91AF-49D2-B70D-23E1A7D3B1E5}" srcId="{CBE68F96-89C8-4389-B3B0-A60C07AFA6E6}" destId="{2820C90F-A052-410A-8796-E35727C61AB1}" srcOrd="2" destOrd="0" parTransId="{78E55CB7-15F5-423B-94D1-79A160D30E0A}" sibTransId="{2D947E25-C16B-42FD-80F9-097235D840FE}"/>
+    <dgm:cxn modelId="{7694E1A8-E481-4D2E-88B3-8B94C402C8F9}" type="presOf" srcId="{1E9179C2-916E-4A3B-A3CF-DF8E80578314}" destId="{0FA3274E-7887-46B3-8442-535265B3BE97}" srcOrd="0" destOrd="0" presId="urn:microsoft.com/office/officeart/2005/8/layout/process2"/>
+    <dgm:cxn modelId="{CF0614B2-66E2-40D6-9541-A622F7781212}" type="presOf" srcId="{D729FD14-48D0-4CC4-9926-F3919B7E762C}" destId="{C6F8793C-44C2-4F66-9B04-8FD07C3AE97D}" srcOrd="1" destOrd="0" presId="urn:microsoft.com/office/officeart/2005/8/layout/process2"/>
+    <dgm:cxn modelId="{4989005C-CB44-49EC-975B-2B2279E552B8}" type="presOf" srcId="{A45D5F63-C5E3-47F8-AB0E-319C4686FB99}" destId="{AB83B138-2A57-4F41-985D-0DF9933E58FD}" srcOrd="1" destOrd="0" presId="urn:microsoft.com/office/officeart/2005/8/layout/process2"/>
+    <dgm:cxn modelId="{D33664B6-E3E0-476E-9F08-B40E0B20849E}" type="presOf" srcId="{B6B66AB5-6C31-4B5F-93E1-8F76E49BB650}" destId="{FB21C287-DDB9-4E6E-8134-F3A4E6900117}" srcOrd="0" destOrd="0" presId="urn:microsoft.com/office/officeart/2005/8/layout/process2"/>
+    <dgm:cxn modelId="{E7C238FE-D3E5-477A-A084-4B69CB609D3F}" type="presOf" srcId="{C1A2ECBC-96F4-49E9-89CE-643A37EAFA9B}" destId="{732916D8-68AD-487E-AEC1-35EF61FAD896}" srcOrd="0" destOrd="0" presId="urn:microsoft.com/office/officeart/2005/8/layout/process2"/>
+    <dgm:cxn modelId="{2C5713E7-94E1-42C8-AAB7-B7085F0C7128}" type="presOf" srcId="{8B974063-B1DE-4251-8A63-72D8186D41BF}" destId="{2354E252-F4A1-4619-87D5-32227FCB99F2}" srcOrd="0" destOrd="0" presId="urn:microsoft.com/office/officeart/2005/8/layout/process2"/>
+    <dgm:cxn modelId="{9B7FBDE7-BF59-419F-9F08-D3A4681B438B}" srcId="{CBE68F96-89C8-4389-B3B0-A60C07AFA6E6}" destId="{AAD92323-C489-44B1-AC4F-BF3E44649CD1}" srcOrd="0" destOrd="0" parTransId="{6156862B-919D-4843-98F8-675367551794}" sibTransId="{1E9179C2-916E-4A3B-A3CF-DF8E80578314}"/>
+    <dgm:cxn modelId="{E8E79792-F14B-4744-80AE-834963824FC8}" srcId="{CBE68F96-89C8-4389-B3B0-A60C07AFA6E6}" destId="{F47371DB-8BEA-432B-ADA0-92D74E0702F9}" srcOrd="5" destOrd="0" parTransId="{9A8F9194-ED8A-4073-8172-A824663106CD}" sibTransId="{B57E6720-3994-43C0-84D2-502851A5528A}"/>
+    <dgm:cxn modelId="{22549A3E-B650-40C6-9B18-FE78A4149DEF}" type="presOf" srcId="{A45D5F63-C5E3-47F8-AB0E-319C4686FB99}" destId="{CD4CD681-E631-4A2A-8903-86E13A46DBBC}" srcOrd="0" destOrd="0" presId="urn:microsoft.com/office/officeart/2005/8/layout/process2"/>
+    <dgm:cxn modelId="{49D14A0F-B6A3-459B-B28F-067D9AA97FDF}" type="presOf" srcId="{2D947E25-C16B-42FD-80F9-097235D840FE}" destId="{E4E9F33E-FEB6-4B1D-B1CA-32DE732DD70F}" srcOrd="1" destOrd="0" presId="urn:microsoft.com/office/officeart/2005/8/layout/process2"/>
+    <dgm:cxn modelId="{D082DA6C-6C77-467F-B0E8-090BFE29843B}" srcId="{CBE68F96-89C8-4389-B3B0-A60C07AFA6E6}" destId="{1A75F6BB-B0E0-4EE8-9800-137D7E40F05F}" srcOrd="4" destOrd="0" parTransId="{3B3E3129-D855-45EB-8516-A4A49E647C63}" sibTransId="{D729FD14-48D0-4CC4-9926-F3919B7E762C}"/>
+    <dgm:cxn modelId="{0E41B929-8ACC-41AA-830F-20A38A60FC9A}" type="presOf" srcId="{2820C90F-A052-410A-8796-E35727C61AB1}" destId="{AAD76F6B-85DD-4996-A1DA-7B3AC0892BDF}" srcOrd="0" destOrd="0" presId="urn:microsoft.com/office/officeart/2005/8/layout/process2"/>
+    <dgm:cxn modelId="{0C603DD4-5EE6-448F-9789-0C8238C21B27}" type="presOf" srcId="{8B974063-B1DE-4251-8A63-72D8186D41BF}" destId="{9825CFF7-6447-4F43-8805-529CAD78ED53}" srcOrd="1" destOrd="0" presId="urn:microsoft.com/office/officeart/2005/8/layout/process2"/>
+    <dgm:cxn modelId="{381102F7-F453-4056-81B4-71D4D677C020}" type="presOf" srcId="{AAD92323-C489-44B1-AC4F-BF3E44649CD1}" destId="{77250FC4-3CD4-4BD3-83CF-DF8D02B9DCB1}" srcOrd="0" destOrd="0" presId="urn:microsoft.com/office/officeart/2005/8/layout/process2"/>
+    <dgm:cxn modelId="{87527954-69AA-4C26-8DC2-0CA36D5FE8EA}" srcId="{CBE68F96-89C8-4389-B3B0-A60C07AFA6E6}" destId="{B6B66AB5-6C31-4B5F-93E1-8F76E49BB650}" srcOrd="1" destOrd="0" parTransId="{1D8308EB-D457-4B19-9144-B6BDC74BBD90}" sibTransId="{A45D5F63-C5E3-47F8-AB0E-319C4686FB99}"/>
+    <dgm:cxn modelId="{BE409258-F436-4219-B2CB-4F2DC72D0CB5}" type="presOf" srcId="{F47371DB-8BEA-432B-ADA0-92D74E0702F9}" destId="{B0AFBA69-F6EE-4B41-94B1-52466432E21A}" srcOrd="0" destOrd="0" presId="urn:microsoft.com/office/officeart/2005/8/layout/process2"/>
+    <dgm:cxn modelId="{9AA78EF5-1F28-4444-9026-FFEE15325185}" type="presOf" srcId="{1E9179C2-916E-4A3B-A3CF-DF8E80578314}" destId="{27D75239-A8E8-4AD8-B82C-B2A103CDCEB6}" srcOrd="1" destOrd="0" presId="urn:microsoft.com/office/officeart/2005/8/layout/process2"/>
+    <dgm:cxn modelId="{B5B009FD-CE3D-4307-A549-62DF9BCD020C}" type="presParOf" srcId="{BBD1517F-8595-43FF-B8A2-BFDF5EABC173}" destId="{77250FC4-3CD4-4BD3-83CF-DF8D02B9DCB1}" srcOrd="0" destOrd="0" presId="urn:microsoft.com/office/officeart/2005/8/layout/process2"/>
+    <dgm:cxn modelId="{283B8100-B0F3-4F83-AA16-A267A83977DC}" type="presParOf" srcId="{BBD1517F-8595-43FF-B8A2-BFDF5EABC173}" destId="{0FA3274E-7887-46B3-8442-535265B3BE97}" srcOrd="1" destOrd="0" presId="urn:microsoft.com/office/officeart/2005/8/layout/process2"/>
+    <dgm:cxn modelId="{D6D884EC-7D61-4D46-BE01-BE2BEBC3C2AD}" type="presParOf" srcId="{0FA3274E-7887-46B3-8442-535265B3BE97}" destId="{27D75239-A8E8-4AD8-B82C-B2A103CDCEB6}" srcOrd="0" destOrd="0" presId="urn:microsoft.com/office/officeart/2005/8/layout/process2"/>
+    <dgm:cxn modelId="{F28D3460-B527-4CFD-9AEF-0D9B83E3A5D2}" type="presParOf" srcId="{BBD1517F-8595-43FF-B8A2-BFDF5EABC173}" destId="{FB21C287-DDB9-4E6E-8134-F3A4E6900117}" srcOrd="2" destOrd="0" presId="urn:microsoft.com/office/officeart/2005/8/layout/process2"/>
+    <dgm:cxn modelId="{BBFB3DB3-2585-411A-B5C7-34635EE4392B}" type="presParOf" srcId="{BBD1517F-8595-43FF-B8A2-BFDF5EABC173}" destId="{CD4CD681-E631-4A2A-8903-86E13A46DBBC}" srcOrd="3" destOrd="0" presId="urn:microsoft.com/office/officeart/2005/8/layout/process2"/>
+    <dgm:cxn modelId="{C59A33B9-2678-41C9-8A08-920648523A7C}" type="presParOf" srcId="{CD4CD681-E631-4A2A-8903-86E13A46DBBC}" destId="{AB83B138-2A57-4F41-985D-0DF9933E58FD}" srcOrd="0" destOrd="0" presId="urn:microsoft.com/office/officeart/2005/8/layout/process2"/>
+    <dgm:cxn modelId="{8245780F-FD4D-4AD9-AE8C-D660790DB75D}" type="presParOf" srcId="{BBD1517F-8595-43FF-B8A2-BFDF5EABC173}" destId="{AAD76F6B-85DD-4996-A1DA-7B3AC0892BDF}" srcOrd="4" destOrd="0" presId="urn:microsoft.com/office/officeart/2005/8/layout/process2"/>
+    <dgm:cxn modelId="{36B80CC4-E570-45C2-8450-C525D7B2450D}" type="presParOf" srcId="{BBD1517F-8595-43FF-B8A2-BFDF5EABC173}" destId="{6BA4E6BB-2803-441C-AFDF-3F1A3E073117}" srcOrd="5" destOrd="0" presId="urn:microsoft.com/office/officeart/2005/8/layout/process2"/>
+    <dgm:cxn modelId="{D660341C-B08D-41A2-87E4-42E50A6D7A7D}" type="presParOf" srcId="{6BA4E6BB-2803-441C-AFDF-3F1A3E073117}" destId="{E4E9F33E-FEB6-4B1D-B1CA-32DE732DD70F}" srcOrd="0" destOrd="0" presId="urn:microsoft.com/office/officeart/2005/8/layout/process2"/>
+    <dgm:cxn modelId="{CF70948C-F374-427D-9E70-DEC8BDAFA4E5}" type="presParOf" srcId="{BBD1517F-8595-43FF-B8A2-BFDF5EABC173}" destId="{732916D8-68AD-487E-AEC1-35EF61FAD896}" srcOrd="6" destOrd="0" presId="urn:microsoft.com/office/officeart/2005/8/layout/process2"/>
+    <dgm:cxn modelId="{8C21E27B-9D7C-42CB-9780-74A1B3D74A9F}" type="presParOf" srcId="{BBD1517F-8595-43FF-B8A2-BFDF5EABC173}" destId="{2354E252-F4A1-4619-87D5-32227FCB99F2}" srcOrd="7" destOrd="0" presId="urn:microsoft.com/office/officeart/2005/8/layout/process2"/>
+    <dgm:cxn modelId="{62317DE0-6D7A-42AF-9986-285224EE66AC}" type="presParOf" srcId="{2354E252-F4A1-4619-87D5-32227FCB99F2}" destId="{9825CFF7-6447-4F43-8805-529CAD78ED53}" srcOrd="0" destOrd="0" presId="urn:microsoft.com/office/officeart/2005/8/layout/process2"/>
+    <dgm:cxn modelId="{6EE9824C-F903-4051-B9A2-3EBD8FEAF443}" type="presParOf" srcId="{BBD1517F-8595-43FF-B8A2-BFDF5EABC173}" destId="{2AA5EB6B-6F84-481E-A18B-83054F65A1F2}" srcOrd="8" destOrd="0" presId="urn:microsoft.com/office/officeart/2005/8/layout/process2"/>
+    <dgm:cxn modelId="{ED121342-D5F8-4075-9207-BCB8CAFC872D}" type="presParOf" srcId="{BBD1517F-8595-43FF-B8A2-BFDF5EABC173}" destId="{AD0CCC23-1F57-49C7-B76F-B4723BE73D69}" srcOrd="9" destOrd="0" presId="urn:microsoft.com/office/officeart/2005/8/layout/process2"/>
+    <dgm:cxn modelId="{BBB6445D-7BE9-41A3-B423-6B422377B2DC}" type="presParOf" srcId="{AD0CCC23-1F57-49C7-B76F-B4723BE73D69}" destId="{C6F8793C-44C2-4F66-9B04-8FD07C3AE97D}" srcOrd="0" destOrd="0" presId="urn:microsoft.com/office/officeart/2005/8/layout/process2"/>
+    <dgm:cxn modelId="{9C30D4EC-3BE5-44B6-B47C-F9241D6F6B49}" type="presParOf" srcId="{BBD1517F-8595-43FF-B8A2-BFDF5EABC173}" destId="{B0AFBA69-F6EE-4B41-94B1-52466432E21A}" srcOrd="10" destOrd="0" presId="urn:microsoft.com/office/officeart/2005/8/layout/process2"/>
+  </dgm:cxnLst>
+  <dgm:bg/>
+  <dgm:whole/>
+  <dgm:extLst>
+    <a:ext uri="http://schemas.microsoft.com/office/drawing/2008/diagram">
+      <dsp:dataModelExt xmlns:dsp="http://schemas.microsoft.com/office/drawing/2008/diagram" relId="rId7" minVer="http://schemas.openxmlformats.org/drawingml/2006/diagram"/>
+    </a:ext>
+  </dgm:extLst>
+</dgm:dataModel>
+</file>
+
+<file path=ppt/diagrams/drawing1.xml><?xml version="1.0" encoding="utf-8"?>
+<dsp:drawing xmlns:dgm="http://schemas.openxmlformats.org/drawingml/2006/diagram" xmlns:dsp="http://schemas.microsoft.com/office/drawing/2008/diagram" xmlns:a="http://schemas.openxmlformats.org/drawingml/2006/main">
+  <dsp:spTree>
+    <dsp:nvGrpSpPr>
+      <dsp:cNvPr id="0" name=""/>
+      <dsp:cNvGrpSpPr/>
+    </dsp:nvGrpSpPr>
+    <dsp:grpSpPr/>
+    <dsp:sp modelId="{77250FC4-3CD4-4BD3-83CF-DF8D02B9DCB1}">
+      <dsp:nvSpPr>
+        <dsp:cNvPr id="0" name=""/>
+        <dsp:cNvSpPr/>
+      </dsp:nvSpPr>
+      <dsp:spPr>
+        <a:xfrm>
+          <a:off x="107990" y="16023"/>
+          <a:ext cx="1932565" cy="492667"/>
+        </a:xfrm>
+        <a:prstGeom prst="roundRect">
+          <a:avLst>
+            <a:gd name="adj" fmla="val 10000"/>
+          </a:avLst>
+        </a:prstGeom>
+        <a:solidFill>
+          <a:schemeClr val="accent1">
+            <a:hueOff val="0"/>
+            <a:satOff val="0"/>
+            <a:lumOff val="0"/>
+            <a:alphaOff val="0"/>
+          </a:schemeClr>
+        </a:solidFill>
+        <a:ln w="12700" cap="flat" cmpd="sng" algn="ctr">
+          <a:solidFill>
+            <a:schemeClr val="lt1">
+              <a:hueOff val="0"/>
+              <a:satOff val="0"/>
+              <a:lumOff val="0"/>
+              <a:alphaOff val="0"/>
+            </a:schemeClr>
+          </a:solidFill>
+          <a:prstDash val="solid"/>
+          <a:miter lim="800000"/>
+        </a:ln>
+        <a:effectLst/>
+      </dsp:spPr>
+      <dsp:style>
+        <a:lnRef idx="2">
+          <a:scrgbClr r="0" g="0" b="0"/>
+        </a:lnRef>
+        <a:fillRef idx="1">
+          <a:scrgbClr r="0" g="0" b="0"/>
+        </a:fillRef>
+        <a:effectRef idx="0">
+          <a:scrgbClr r="0" g="0" b="0"/>
+        </a:effectRef>
+        <a:fontRef idx="minor">
+          <a:schemeClr val="lt1"/>
+        </a:fontRef>
+      </dsp:style>
+      <dsp:txBody>
+        <a:bodyPr spcFirstLastPara="0" vert="horz" wrap="square" lIns="57150" tIns="57150" rIns="57150" bIns="57150" numCol="1" spcCol="1270" anchor="ctr" anchorCtr="0">
+          <a:noAutofit/>
+        </a:bodyPr>
+        <a:lstStyle/>
+        <a:p>
+          <a:pPr lvl="0" algn="ctr" defTabSz="666750">
+            <a:lnSpc>
+              <a:spcPct val="90000"/>
+            </a:lnSpc>
+            <a:spcBef>
+              <a:spcPct val="0"/>
+            </a:spcBef>
+            <a:spcAft>
+              <a:spcPct val="35000"/>
+            </a:spcAft>
+          </a:pPr>
+          <a:r>
+            <a:rPr lang="en-ZA" sz="1500" kern="1200" dirty="0" smtClean="0"/>
+            <a:t>SRS</a:t>
+          </a:r>
+          <a:endParaRPr lang="en-ZA" sz="1500" kern="1200" dirty="0"/>
+        </a:p>
+      </dsp:txBody>
+      <dsp:txXfrm>
+        <a:off x="122420" y="30453"/>
+        <a:ext cx="1903705" cy="463807"/>
+      </dsp:txXfrm>
+    </dsp:sp>
+    <dsp:sp modelId="{0FA3274E-7887-46B3-8442-535265B3BE97}">
+      <dsp:nvSpPr>
+        <dsp:cNvPr id="0" name=""/>
+        <dsp:cNvSpPr/>
+      </dsp:nvSpPr>
+      <dsp:spPr>
+        <a:xfrm rot="5400000">
+          <a:off x="981898" y="521008"/>
+          <a:ext cx="184750" cy="221700"/>
+        </a:xfrm>
+        <a:prstGeom prst="rightArrow">
+          <a:avLst>
+            <a:gd name="adj1" fmla="val 60000"/>
+            <a:gd name="adj2" fmla="val 50000"/>
+          </a:avLst>
+        </a:prstGeom>
+        <a:solidFill>
+          <a:schemeClr val="accent1">
+            <a:tint val="60000"/>
+            <a:hueOff val="0"/>
+            <a:satOff val="0"/>
+            <a:lumOff val="0"/>
+            <a:alphaOff val="0"/>
+          </a:schemeClr>
+        </a:solidFill>
+        <a:ln>
+          <a:noFill/>
+        </a:ln>
+        <a:effectLst/>
+      </dsp:spPr>
+      <dsp:style>
+        <a:lnRef idx="0">
+          <a:scrgbClr r="0" g="0" b="0"/>
+        </a:lnRef>
+        <a:fillRef idx="1">
+          <a:scrgbClr r="0" g="0" b="0"/>
+        </a:fillRef>
+        <a:effectRef idx="0">
+          <a:scrgbClr r="0" g="0" b="0"/>
+        </a:effectRef>
+        <a:fontRef idx="minor">
+          <a:schemeClr val="lt1"/>
+        </a:fontRef>
+      </dsp:style>
+      <dsp:txBody>
+        <a:bodyPr spcFirstLastPara="0" vert="horz" wrap="square" lIns="0" tIns="0" rIns="0" bIns="0" numCol="1" spcCol="1270" anchor="ctr" anchorCtr="0">
+          <a:noAutofit/>
+        </a:bodyPr>
+        <a:lstStyle/>
+        <a:p>
+          <a:pPr lvl="0" algn="ctr" defTabSz="355600">
+            <a:lnSpc>
+              <a:spcPct val="90000"/>
+            </a:lnSpc>
+            <a:spcBef>
+              <a:spcPct val="0"/>
+            </a:spcBef>
+            <a:spcAft>
+              <a:spcPct val="35000"/>
+            </a:spcAft>
+          </a:pPr>
+          <a:endParaRPr lang="en-ZA" sz="800" kern="1200"/>
+        </a:p>
+      </dsp:txBody>
+      <dsp:txXfrm rot="-5400000">
+        <a:off x="1007764" y="539483"/>
+        <a:ext cx="133020" cy="129325"/>
+      </dsp:txXfrm>
+    </dsp:sp>
+    <dsp:sp modelId="{FB21C287-DDB9-4E6E-8134-F3A4E6900117}">
+      <dsp:nvSpPr>
+        <dsp:cNvPr id="0" name=""/>
+        <dsp:cNvSpPr/>
+      </dsp:nvSpPr>
+      <dsp:spPr>
+        <a:xfrm>
+          <a:off x="107990" y="755025"/>
+          <a:ext cx="1932565" cy="492667"/>
+        </a:xfrm>
+        <a:prstGeom prst="roundRect">
+          <a:avLst>
+            <a:gd name="adj" fmla="val 10000"/>
+          </a:avLst>
+        </a:prstGeom>
+        <a:solidFill>
+          <a:schemeClr val="accent1">
+            <a:hueOff val="0"/>
+            <a:satOff val="0"/>
+            <a:lumOff val="0"/>
+            <a:alphaOff val="0"/>
+          </a:schemeClr>
+        </a:solidFill>
+        <a:ln w="12700" cap="flat" cmpd="sng" algn="ctr">
+          <a:solidFill>
+            <a:schemeClr val="lt1">
+              <a:hueOff val="0"/>
+              <a:satOff val="0"/>
+              <a:lumOff val="0"/>
+              <a:alphaOff val="0"/>
+            </a:schemeClr>
+          </a:solidFill>
+          <a:prstDash val="solid"/>
+          <a:miter lim="800000"/>
+        </a:ln>
+        <a:effectLst/>
+      </dsp:spPr>
+      <dsp:style>
+        <a:lnRef idx="2">
+          <a:scrgbClr r="0" g="0" b="0"/>
+        </a:lnRef>
+        <a:fillRef idx="1">
+          <a:scrgbClr r="0" g="0" b="0"/>
+        </a:fillRef>
+        <a:effectRef idx="0">
+          <a:scrgbClr r="0" g="0" b="0"/>
+        </a:effectRef>
+        <a:fontRef idx="minor">
+          <a:schemeClr val="lt1"/>
+        </a:fontRef>
+      </dsp:style>
+      <dsp:txBody>
+        <a:bodyPr spcFirstLastPara="0" vert="horz" wrap="square" lIns="57150" tIns="57150" rIns="57150" bIns="57150" numCol="1" spcCol="1270" anchor="ctr" anchorCtr="0">
+          <a:noAutofit/>
+        </a:bodyPr>
+        <a:lstStyle/>
+        <a:p>
+          <a:pPr lvl="0" algn="ctr" defTabSz="666750">
+            <a:lnSpc>
+              <a:spcPct val="90000"/>
+            </a:lnSpc>
+            <a:spcBef>
+              <a:spcPct val="0"/>
+            </a:spcBef>
+            <a:spcAft>
+              <a:spcPct val="35000"/>
+            </a:spcAft>
+          </a:pPr>
+          <a:r>
+            <a:rPr lang="en-ZA" sz="1500" kern="1200" dirty="0" smtClean="0"/>
+            <a:t>PSAC</a:t>
+          </a:r>
+          <a:endParaRPr lang="en-ZA" sz="1500" kern="1200" dirty="0"/>
+        </a:p>
+      </dsp:txBody>
+      <dsp:txXfrm>
+        <a:off x="122420" y="769455"/>
+        <a:ext cx="1903705" cy="463807"/>
+      </dsp:txXfrm>
+    </dsp:sp>
+    <dsp:sp modelId="{CD4CD681-E631-4A2A-8903-86E13A46DBBC}">
+      <dsp:nvSpPr>
+        <dsp:cNvPr id="0" name=""/>
+        <dsp:cNvSpPr/>
+      </dsp:nvSpPr>
+      <dsp:spPr>
+        <a:xfrm rot="5400000">
+          <a:off x="981898" y="1260009"/>
+          <a:ext cx="184750" cy="221700"/>
+        </a:xfrm>
+        <a:prstGeom prst="rightArrow">
+          <a:avLst>
+            <a:gd name="adj1" fmla="val 60000"/>
+            <a:gd name="adj2" fmla="val 50000"/>
+          </a:avLst>
+        </a:prstGeom>
+        <a:solidFill>
+          <a:schemeClr val="accent1">
+            <a:tint val="60000"/>
+            <a:hueOff val="0"/>
+            <a:satOff val="0"/>
+            <a:lumOff val="0"/>
+            <a:alphaOff val="0"/>
+          </a:schemeClr>
+        </a:solidFill>
+        <a:ln>
+          <a:noFill/>
+        </a:ln>
+        <a:effectLst/>
+      </dsp:spPr>
+      <dsp:style>
+        <a:lnRef idx="0">
+          <a:scrgbClr r="0" g="0" b="0"/>
+        </a:lnRef>
+        <a:fillRef idx="1">
+          <a:scrgbClr r="0" g="0" b="0"/>
+        </a:fillRef>
+        <a:effectRef idx="0">
+          <a:scrgbClr r="0" g="0" b="0"/>
+        </a:effectRef>
+        <a:fontRef idx="minor">
+          <a:schemeClr val="lt1"/>
+        </a:fontRef>
+      </dsp:style>
+      <dsp:txBody>
+        <a:bodyPr spcFirstLastPara="0" vert="horz" wrap="square" lIns="0" tIns="0" rIns="0" bIns="0" numCol="1" spcCol="1270" anchor="ctr" anchorCtr="0">
+          <a:noAutofit/>
+        </a:bodyPr>
+        <a:lstStyle/>
+        <a:p>
+          <a:pPr lvl="0" algn="ctr" defTabSz="355600">
+            <a:lnSpc>
+              <a:spcPct val="90000"/>
+            </a:lnSpc>
+            <a:spcBef>
+              <a:spcPct val="0"/>
+            </a:spcBef>
+            <a:spcAft>
+              <a:spcPct val="35000"/>
+            </a:spcAft>
+          </a:pPr>
+          <a:endParaRPr lang="en-ZA" sz="800" kern="1200"/>
+        </a:p>
+      </dsp:txBody>
+      <dsp:txXfrm rot="-5400000">
+        <a:off x="1007764" y="1278484"/>
+        <a:ext cx="133020" cy="129325"/>
+      </dsp:txXfrm>
+    </dsp:sp>
+    <dsp:sp modelId="{AAD76F6B-85DD-4996-A1DA-7B3AC0892BDF}">
+      <dsp:nvSpPr>
+        <dsp:cNvPr id="0" name=""/>
+        <dsp:cNvSpPr/>
+      </dsp:nvSpPr>
+      <dsp:spPr>
+        <a:xfrm>
+          <a:off x="107990" y="1494026"/>
+          <a:ext cx="1932565" cy="492667"/>
+        </a:xfrm>
+        <a:prstGeom prst="roundRect">
+          <a:avLst>
+            <a:gd name="adj" fmla="val 10000"/>
+          </a:avLst>
+        </a:prstGeom>
+        <a:solidFill>
+          <a:schemeClr val="accent1">
+            <a:hueOff val="0"/>
+            <a:satOff val="0"/>
+            <a:lumOff val="0"/>
+            <a:alphaOff val="0"/>
+          </a:schemeClr>
+        </a:solidFill>
+        <a:ln w="12700" cap="flat" cmpd="sng" algn="ctr">
+          <a:solidFill>
+            <a:schemeClr val="lt1">
+              <a:hueOff val="0"/>
+              <a:satOff val="0"/>
+              <a:lumOff val="0"/>
+              <a:alphaOff val="0"/>
+            </a:schemeClr>
+          </a:solidFill>
+          <a:prstDash val="solid"/>
+          <a:miter lim="800000"/>
+        </a:ln>
+        <a:effectLst/>
+      </dsp:spPr>
+      <dsp:style>
+        <a:lnRef idx="2">
+          <a:scrgbClr r="0" g="0" b="0"/>
+        </a:lnRef>
+        <a:fillRef idx="1">
+          <a:scrgbClr r="0" g="0" b="0"/>
+        </a:fillRef>
+        <a:effectRef idx="0">
+          <a:scrgbClr r="0" g="0" b="0"/>
+        </a:effectRef>
+        <a:fontRef idx="minor">
+          <a:schemeClr val="lt1"/>
+        </a:fontRef>
+      </dsp:style>
+      <dsp:txBody>
+        <a:bodyPr spcFirstLastPara="0" vert="horz" wrap="square" lIns="57150" tIns="57150" rIns="57150" bIns="57150" numCol="1" spcCol="1270" anchor="ctr" anchorCtr="0">
+          <a:noAutofit/>
+        </a:bodyPr>
+        <a:lstStyle/>
+        <a:p>
+          <a:pPr lvl="0" algn="ctr" defTabSz="666750">
+            <a:lnSpc>
+              <a:spcPct val="90000"/>
+            </a:lnSpc>
+            <a:spcBef>
+              <a:spcPct val="0"/>
+            </a:spcBef>
+            <a:spcAft>
+              <a:spcPct val="35000"/>
+            </a:spcAft>
+          </a:pPr>
+          <a:r>
+            <a:rPr lang="en-ZA" sz="1500" kern="1200" dirty="0" smtClean="0"/>
+            <a:t>SDD</a:t>
+          </a:r>
+          <a:endParaRPr lang="en-ZA" sz="1500" kern="1200" dirty="0"/>
+        </a:p>
+      </dsp:txBody>
+      <dsp:txXfrm>
+        <a:off x="122420" y="1508456"/>
+        <a:ext cx="1903705" cy="463807"/>
+      </dsp:txXfrm>
+    </dsp:sp>
+    <dsp:sp modelId="{6BA4E6BB-2803-441C-AFDF-3F1A3E073117}">
+      <dsp:nvSpPr>
+        <dsp:cNvPr id="0" name=""/>
+        <dsp:cNvSpPr/>
+      </dsp:nvSpPr>
+      <dsp:spPr>
+        <a:xfrm rot="5400000">
+          <a:off x="981898" y="1999011"/>
+          <a:ext cx="184750" cy="221700"/>
+        </a:xfrm>
+        <a:prstGeom prst="rightArrow">
+          <a:avLst>
+            <a:gd name="adj1" fmla="val 60000"/>
+            <a:gd name="adj2" fmla="val 50000"/>
+          </a:avLst>
+        </a:prstGeom>
+        <a:solidFill>
+          <a:schemeClr val="accent1">
+            <a:tint val="60000"/>
+            <a:hueOff val="0"/>
+            <a:satOff val="0"/>
+            <a:lumOff val="0"/>
+            <a:alphaOff val="0"/>
+          </a:schemeClr>
+        </a:solidFill>
+        <a:ln>
+          <a:noFill/>
+        </a:ln>
+        <a:effectLst/>
+      </dsp:spPr>
+      <dsp:style>
+        <a:lnRef idx="0">
+          <a:scrgbClr r="0" g="0" b="0"/>
+        </a:lnRef>
+        <a:fillRef idx="1">
+          <a:scrgbClr r="0" g="0" b="0"/>
+        </a:fillRef>
+        <a:effectRef idx="0">
+          <a:scrgbClr r="0" g="0" b="0"/>
+        </a:effectRef>
+        <a:fontRef idx="minor">
+          <a:schemeClr val="lt1"/>
+        </a:fontRef>
+      </dsp:style>
+      <dsp:txBody>
+        <a:bodyPr spcFirstLastPara="0" vert="horz" wrap="square" lIns="0" tIns="0" rIns="0" bIns="0" numCol="1" spcCol="1270" anchor="ctr" anchorCtr="0">
+          <a:noAutofit/>
+        </a:bodyPr>
+        <a:lstStyle/>
+        <a:p>
+          <a:pPr lvl="0" algn="ctr" defTabSz="355600">
+            <a:lnSpc>
+              <a:spcPct val="90000"/>
+            </a:lnSpc>
+            <a:spcBef>
+              <a:spcPct val="0"/>
+            </a:spcBef>
+            <a:spcAft>
+              <a:spcPct val="35000"/>
+            </a:spcAft>
+          </a:pPr>
+          <a:endParaRPr lang="en-ZA" sz="800" kern="1200"/>
+        </a:p>
+      </dsp:txBody>
+      <dsp:txXfrm rot="-5400000">
+        <a:off x="1007764" y="2017486"/>
+        <a:ext cx="133020" cy="129325"/>
+      </dsp:txXfrm>
+    </dsp:sp>
+    <dsp:sp modelId="{732916D8-68AD-487E-AEC1-35EF61FAD896}">
+      <dsp:nvSpPr>
+        <dsp:cNvPr id="0" name=""/>
+        <dsp:cNvSpPr/>
+      </dsp:nvSpPr>
+      <dsp:spPr>
+        <a:xfrm>
+          <a:off x="107990" y="2233028"/>
+          <a:ext cx="1932565" cy="492667"/>
+        </a:xfrm>
+        <a:prstGeom prst="roundRect">
+          <a:avLst>
+            <a:gd name="adj" fmla="val 10000"/>
+          </a:avLst>
+        </a:prstGeom>
+        <a:solidFill>
+          <a:schemeClr val="accent1">
+            <a:hueOff val="0"/>
+            <a:satOff val="0"/>
+            <a:lumOff val="0"/>
+            <a:alphaOff val="0"/>
+          </a:schemeClr>
+        </a:solidFill>
+        <a:ln w="12700" cap="flat" cmpd="sng" algn="ctr">
+          <a:solidFill>
+            <a:schemeClr val="lt1">
+              <a:hueOff val="0"/>
+              <a:satOff val="0"/>
+              <a:lumOff val="0"/>
+              <a:alphaOff val="0"/>
+            </a:schemeClr>
+          </a:solidFill>
+          <a:prstDash val="solid"/>
+          <a:miter lim="800000"/>
+        </a:ln>
+        <a:effectLst/>
+      </dsp:spPr>
+      <dsp:style>
+        <a:lnRef idx="2">
+          <a:scrgbClr r="0" g="0" b="0"/>
+        </a:lnRef>
+        <a:fillRef idx="1">
+          <a:scrgbClr r="0" g="0" b="0"/>
+        </a:fillRef>
+        <a:effectRef idx="0">
+          <a:scrgbClr r="0" g="0" b="0"/>
+        </a:effectRef>
+        <a:fontRef idx="minor">
+          <a:schemeClr val="lt1"/>
+        </a:fontRef>
+      </dsp:style>
+      <dsp:txBody>
+        <a:bodyPr spcFirstLastPara="0" vert="horz" wrap="square" lIns="57150" tIns="57150" rIns="57150" bIns="57150" numCol="1" spcCol="1270" anchor="ctr" anchorCtr="0">
+          <a:noAutofit/>
+        </a:bodyPr>
+        <a:lstStyle/>
+        <a:p>
+          <a:pPr lvl="0" algn="ctr" defTabSz="666750">
+            <a:lnSpc>
+              <a:spcPct val="90000"/>
+            </a:lnSpc>
+            <a:spcBef>
+              <a:spcPct val="0"/>
+            </a:spcBef>
+            <a:spcAft>
+              <a:spcPct val="35000"/>
+            </a:spcAft>
+          </a:pPr>
+          <a:r>
+            <a:rPr lang="en-ZA" sz="1500" kern="1200" dirty="0" smtClean="0"/>
+            <a:t>Coding</a:t>
+          </a:r>
+        </a:p>
+      </dsp:txBody>
+      <dsp:txXfrm>
+        <a:off x="122420" y="2247458"/>
+        <a:ext cx="1903705" cy="463807"/>
+      </dsp:txXfrm>
+    </dsp:sp>
+    <dsp:sp modelId="{2354E252-F4A1-4619-87D5-32227FCB99F2}">
+      <dsp:nvSpPr>
+        <dsp:cNvPr id="0" name=""/>
+        <dsp:cNvSpPr/>
+      </dsp:nvSpPr>
+      <dsp:spPr>
+        <a:xfrm rot="5400000">
+          <a:off x="981898" y="2738012"/>
+          <a:ext cx="184750" cy="221700"/>
+        </a:xfrm>
+        <a:prstGeom prst="rightArrow">
+          <a:avLst>
+            <a:gd name="adj1" fmla="val 60000"/>
+            <a:gd name="adj2" fmla="val 50000"/>
+          </a:avLst>
+        </a:prstGeom>
+        <a:solidFill>
+          <a:schemeClr val="accent1">
+            <a:tint val="60000"/>
+            <a:hueOff val="0"/>
+            <a:satOff val="0"/>
+            <a:lumOff val="0"/>
+            <a:alphaOff val="0"/>
+          </a:schemeClr>
+        </a:solidFill>
+        <a:ln>
+          <a:noFill/>
+        </a:ln>
+        <a:effectLst/>
+      </dsp:spPr>
+      <dsp:style>
+        <a:lnRef idx="0">
+          <a:scrgbClr r="0" g="0" b="0"/>
+        </a:lnRef>
+        <a:fillRef idx="1">
+          <a:scrgbClr r="0" g="0" b="0"/>
+        </a:fillRef>
+        <a:effectRef idx="0">
+          <a:scrgbClr r="0" g="0" b="0"/>
+        </a:effectRef>
+        <a:fontRef idx="minor">
+          <a:schemeClr val="lt1"/>
+        </a:fontRef>
+      </dsp:style>
+      <dsp:txBody>
+        <a:bodyPr spcFirstLastPara="0" vert="horz" wrap="square" lIns="0" tIns="0" rIns="0" bIns="0" numCol="1" spcCol="1270" anchor="ctr" anchorCtr="0">
+          <a:noAutofit/>
+        </a:bodyPr>
+        <a:lstStyle/>
+        <a:p>
+          <a:pPr lvl="0" algn="ctr" defTabSz="355600">
+            <a:lnSpc>
+              <a:spcPct val="90000"/>
+            </a:lnSpc>
+            <a:spcBef>
+              <a:spcPct val="0"/>
+            </a:spcBef>
+            <a:spcAft>
+              <a:spcPct val="35000"/>
+            </a:spcAft>
+          </a:pPr>
+          <a:endParaRPr lang="en-ZA" sz="800" kern="1200"/>
+        </a:p>
+      </dsp:txBody>
+      <dsp:txXfrm rot="-5400000">
+        <a:off x="1007764" y="2756487"/>
+        <a:ext cx="133020" cy="129325"/>
+      </dsp:txXfrm>
+    </dsp:sp>
+    <dsp:sp modelId="{2AA5EB6B-6F84-481E-A18B-83054F65A1F2}">
+      <dsp:nvSpPr>
+        <dsp:cNvPr id="0" name=""/>
+        <dsp:cNvSpPr/>
+      </dsp:nvSpPr>
+      <dsp:spPr>
+        <a:xfrm>
+          <a:off x="107990" y="2972029"/>
+          <a:ext cx="1932565" cy="492667"/>
+        </a:xfrm>
+        <a:prstGeom prst="roundRect">
+          <a:avLst>
+            <a:gd name="adj" fmla="val 10000"/>
+          </a:avLst>
+        </a:prstGeom>
+        <a:solidFill>
+          <a:schemeClr val="accent1">
+            <a:hueOff val="0"/>
+            <a:satOff val="0"/>
+            <a:lumOff val="0"/>
+            <a:alphaOff val="0"/>
+          </a:schemeClr>
+        </a:solidFill>
+        <a:ln w="12700" cap="flat" cmpd="sng" algn="ctr">
+          <a:solidFill>
+            <a:schemeClr val="lt1">
+              <a:hueOff val="0"/>
+              <a:satOff val="0"/>
+              <a:lumOff val="0"/>
+              <a:alphaOff val="0"/>
+            </a:schemeClr>
+          </a:solidFill>
+          <a:prstDash val="solid"/>
+          <a:miter lim="800000"/>
+        </a:ln>
+        <a:effectLst/>
+      </dsp:spPr>
+      <dsp:style>
+        <a:lnRef idx="2">
+          <a:scrgbClr r="0" g="0" b="0"/>
+        </a:lnRef>
+        <a:fillRef idx="1">
+          <a:scrgbClr r="0" g="0" b="0"/>
+        </a:fillRef>
+        <a:effectRef idx="0">
+          <a:scrgbClr r="0" g="0" b="0"/>
+        </a:effectRef>
+        <a:fontRef idx="minor">
+          <a:schemeClr val="lt1"/>
+        </a:fontRef>
+      </dsp:style>
+      <dsp:txBody>
+        <a:bodyPr spcFirstLastPara="0" vert="horz" wrap="square" lIns="57150" tIns="57150" rIns="57150" bIns="57150" numCol="1" spcCol="1270" anchor="ctr" anchorCtr="0">
+          <a:noAutofit/>
+        </a:bodyPr>
+        <a:lstStyle/>
+        <a:p>
+          <a:pPr lvl="0" algn="ctr" defTabSz="666750">
+            <a:lnSpc>
+              <a:spcPct val="90000"/>
+            </a:lnSpc>
+            <a:spcBef>
+              <a:spcPct val="0"/>
+            </a:spcBef>
+            <a:spcAft>
+              <a:spcPct val="35000"/>
+            </a:spcAft>
+          </a:pPr>
+          <a:r>
+            <a:rPr lang="en-ZA" sz="1500" kern="1200" smtClean="0"/>
+            <a:t>Testing &amp; ATP</a:t>
+          </a:r>
+          <a:endParaRPr lang="en-ZA" sz="1500" kern="1200" dirty="0"/>
+        </a:p>
+      </dsp:txBody>
+      <dsp:txXfrm>
+        <a:off x="122420" y="2986459"/>
+        <a:ext cx="1903705" cy="463807"/>
+      </dsp:txXfrm>
+    </dsp:sp>
+    <dsp:sp modelId="{AD0CCC23-1F57-49C7-B76F-B4723BE73D69}">
+      <dsp:nvSpPr>
+        <dsp:cNvPr id="0" name=""/>
+        <dsp:cNvSpPr/>
+      </dsp:nvSpPr>
+      <dsp:spPr>
+        <a:xfrm rot="5400000">
+          <a:off x="1005189" y="3445959"/>
+          <a:ext cx="138169" cy="221700"/>
+        </a:xfrm>
+        <a:prstGeom prst="rightArrow">
+          <a:avLst>
+            <a:gd name="adj1" fmla="val 60000"/>
+            <a:gd name="adj2" fmla="val 50000"/>
+          </a:avLst>
+        </a:prstGeom>
+        <a:solidFill>
+          <a:schemeClr val="accent1">
+            <a:tint val="60000"/>
+            <a:hueOff val="0"/>
+            <a:satOff val="0"/>
+            <a:lumOff val="0"/>
+            <a:alphaOff val="0"/>
+          </a:schemeClr>
+        </a:solidFill>
+        <a:ln>
+          <a:noFill/>
+        </a:ln>
+        <a:effectLst/>
+      </dsp:spPr>
+      <dsp:style>
+        <a:lnRef idx="0">
+          <a:scrgbClr r="0" g="0" b="0"/>
+        </a:lnRef>
+        <a:fillRef idx="1">
+          <a:scrgbClr r="0" g="0" b="0"/>
+        </a:fillRef>
+        <a:effectRef idx="0">
+          <a:scrgbClr r="0" g="0" b="0"/>
+        </a:effectRef>
+        <a:fontRef idx="minor">
+          <a:schemeClr val="lt1"/>
+        </a:fontRef>
+      </dsp:style>
+      <dsp:txBody>
+        <a:bodyPr spcFirstLastPara="0" vert="horz" wrap="square" lIns="0" tIns="0" rIns="0" bIns="0" numCol="1" spcCol="1270" anchor="ctr" anchorCtr="0">
+          <a:noAutofit/>
+        </a:bodyPr>
+        <a:lstStyle/>
+        <a:p>
+          <a:pPr lvl="0" algn="ctr" defTabSz="266700">
+            <a:lnSpc>
+              <a:spcPct val="90000"/>
+            </a:lnSpc>
+            <a:spcBef>
+              <a:spcPct val="0"/>
+            </a:spcBef>
+            <a:spcAft>
+              <a:spcPct val="35000"/>
+            </a:spcAft>
+          </a:pPr>
+          <a:endParaRPr lang="en-ZA" sz="600" kern="1200"/>
+        </a:p>
+      </dsp:txBody>
+      <dsp:txXfrm rot="-5400000">
+        <a:off x="1007764" y="3487725"/>
+        <a:ext cx="133020" cy="96718"/>
+      </dsp:txXfrm>
+    </dsp:sp>
+    <dsp:sp modelId="{B0AFBA69-F6EE-4B41-94B1-52466432E21A}">
+      <dsp:nvSpPr>
+        <dsp:cNvPr id="0" name=""/>
+        <dsp:cNvSpPr/>
+      </dsp:nvSpPr>
+      <dsp:spPr>
+        <a:xfrm>
+          <a:off x="107990" y="3648922"/>
+          <a:ext cx="1932565" cy="492667"/>
+        </a:xfrm>
+        <a:prstGeom prst="roundRect">
+          <a:avLst>
+            <a:gd name="adj" fmla="val 10000"/>
+          </a:avLst>
+        </a:prstGeom>
+        <a:solidFill>
+          <a:schemeClr val="accent1">
+            <a:hueOff val="0"/>
+            <a:satOff val="0"/>
+            <a:lumOff val="0"/>
+            <a:alphaOff val="0"/>
+          </a:schemeClr>
+        </a:solidFill>
+        <a:ln w="12700" cap="flat" cmpd="sng" algn="ctr">
+          <a:solidFill>
+            <a:schemeClr val="lt1">
+              <a:hueOff val="0"/>
+              <a:satOff val="0"/>
+              <a:lumOff val="0"/>
+              <a:alphaOff val="0"/>
+            </a:schemeClr>
+          </a:solidFill>
+          <a:prstDash val="solid"/>
+          <a:miter lim="800000"/>
+        </a:ln>
+        <a:effectLst/>
+      </dsp:spPr>
+      <dsp:style>
+        <a:lnRef idx="2">
+          <a:scrgbClr r="0" g="0" b="0"/>
+        </a:lnRef>
+        <a:fillRef idx="1">
+          <a:scrgbClr r="0" g="0" b="0"/>
+        </a:fillRef>
+        <a:effectRef idx="0">
+          <a:scrgbClr r="0" g="0" b="0"/>
+        </a:effectRef>
+        <a:fontRef idx="minor">
+          <a:schemeClr val="lt1"/>
+        </a:fontRef>
+      </dsp:style>
+      <dsp:txBody>
+        <a:bodyPr spcFirstLastPara="0" vert="horz" wrap="square" lIns="57150" tIns="57150" rIns="57150" bIns="57150" numCol="1" spcCol="1270" anchor="ctr" anchorCtr="0">
+          <a:noAutofit/>
+        </a:bodyPr>
+        <a:lstStyle/>
+        <a:p>
+          <a:pPr lvl="0" algn="ctr" defTabSz="666750">
+            <a:lnSpc>
+              <a:spcPct val="90000"/>
+            </a:lnSpc>
+            <a:spcBef>
+              <a:spcPct val="0"/>
+            </a:spcBef>
+            <a:spcAft>
+              <a:spcPct val="35000"/>
+            </a:spcAft>
+          </a:pPr>
+          <a:r>
+            <a:rPr lang="en-ZA" sz="1500" kern="1200" dirty="0" smtClean="0"/>
+            <a:t>Final Documentation</a:t>
+          </a:r>
+          <a:endParaRPr lang="en-ZA" sz="1500" kern="1200" dirty="0"/>
+        </a:p>
+      </dsp:txBody>
+      <dsp:txXfrm>
+        <a:off x="122420" y="3663352"/>
+        <a:ext cx="1903705" cy="463807"/>
+      </dsp:txXfrm>
+    </dsp:sp>
+  </dsp:spTree>
+</dsp:drawing>
+</file>
+
+<file path=ppt/diagrams/layout1.xml><?xml version="1.0" encoding="utf-8"?>
+<dgm:layoutDef xmlns:dgm="http://schemas.openxmlformats.org/drawingml/2006/diagram" xmlns:a="http://schemas.openxmlformats.org/drawingml/2006/main" uniqueId="urn:microsoft.com/office/officeart/2005/8/layout/process2">
+  <dgm:title val=""/>
+  <dgm:desc val=""/>
+  <dgm:catLst>
+    <dgm:cat type="process" pri="13000"/>
+  </dgm:catLst>
+  <dgm:sampData useDef="1">
+    <dgm:dataModel>
+      <dgm:ptLst/>
+      <dgm:bg/>
+      <dgm:whole/>
+    </dgm:dataModel>
+  </dgm:sampData>
+  <dgm:styleData>
+    <dgm:dataModel>
+      <dgm:ptLst>
+        <dgm:pt modelId="0" type="doc"/>
+        <dgm:pt modelId="1"/>
+        <dgm:pt modelId="2"/>
+      </dgm:ptLst>
+      <dgm:cxnLst>
+        <dgm:cxn modelId="3" srcId="0" destId="1" srcOrd="0" destOrd="0"/>
+        <dgm:cxn modelId="4" srcId="0" destId="2" srcOrd="1" destOrd="0"/>
+      </dgm:cxnLst>
+      <dgm:bg/>
+      <dgm:whole/>
+    </dgm:dataModel>
+  </dgm:styleData>
+  <dgm:clrData>
+    <dgm:dataModel>
+      <dgm:ptLst>
+        <dgm:pt modelId="0" type="doc"/>
+        <dgm:pt modelId="1"/>
+        <dgm:pt modelId="2"/>
+        <dgm:pt modelId="3"/>
+        <dgm:pt modelId="4"/>
+      </dgm:ptLst>
+      <dgm:cxnLst>
+        <dgm:cxn modelId="5" srcId="0" destId="1" srcOrd="0" destOrd="0"/>
+        <dgm:cxn modelId="6" srcId="0" destId="2" srcOrd="1" destOrd="0"/>
+        <dgm:cxn modelId="7" srcId="0" destId="3" srcOrd="2" destOrd="0"/>
+        <dgm:cxn modelId="8" srcId="0" destId="4" srcOrd="3" destOrd="0"/>
+      </dgm:cxnLst>
+      <dgm:bg/>
+      <dgm:whole/>
+    </dgm:dataModel>
+  </dgm:clrData>
+  <dgm:layoutNode name="linearFlow">
+    <dgm:varLst>
+      <dgm:resizeHandles val="exact"/>
+    </dgm:varLst>
+    <dgm:alg type="lin">
+      <dgm:param type="linDir" val="fromT"/>
+    </dgm:alg>
+    <dgm:shape xmlns:r="http://schemas.openxmlformats.org/officeDocument/2006/relationships" r:blip="">
+      <dgm:adjLst/>
+    </dgm:shape>
+    <dgm:presOf/>
+    <dgm:constrLst>
+      <dgm:constr type="h" for="ch" ptType="node" refType="h"/>
+      <dgm:constr type="h" for="ch" ptType="sibTrans" refType="h" refFor="ch" refPtType="node" fact="0.5"/>
+      <dgm:constr type="w" for="ch" ptType="node" op="equ"/>
+      <dgm:constr type="primFontSz" for="ch" ptType="node" op="equ" val="65"/>
+      <dgm:constr type="primFontSz" for="des" forName="connectorText" op="equ" val="55"/>
+      <dgm:constr type="primFontSz" for="des" forName="connectorText" refType="primFontSz" refFor="ch" refPtType="node" op="lte" fact="0.8"/>
+    </dgm:constrLst>
+    <dgm:ruleLst/>
+    <dgm:forEach name="nodesForEach" axis="ch" ptType="node">
+      <dgm:layoutNode name="node">
+        <dgm:varLst>
+          <dgm:bulletEnabled val="1"/>
+        </dgm:varLst>
+        <dgm:choose name="Name0">
+          <dgm:if name="Name1" axis="root des" ptType="all node" func="maxDepth" op="gt" val="1">
+            <dgm:alg type="tx">
+              <dgm:param type="parTxLTRAlign" val="l"/>
+              <dgm:param type="parTxRTLAlign" val="r"/>
+              <dgm:param type="txAnchorVertCh" val="mid"/>
+            </dgm:alg>
+          </dgm:if>
+          <dgm:else name="Name2">
+            <dgm:alg type="tx"/>
+          </dgm:else>
+        </dgm:choose>
+        <dgm:shape xmlns:r="http://schemas.openxmlformats.org/officeDocument/2006/relationships" type="roundRect" r:blip="">
+          <dgm:adjLst>
+            <dgm:adj idx="1" val="0.1"/>
+          </dgm:adjLst>
+        </dgm:shape>
+        <dgm:presOf axis="desOrSelf" ptType="node"/>
+        <dgm:constrLst>
+          <dgm:constr type="w" refType="h" fact="1.8"/>
+          <dgm:constr type="tMarg" refType="primFontSz" fact="0.3"/>
+          <dgm:constr type="bMarg" refType="primFontSz" fact="0.3"/>
+          <dgm:constr type="lMarg" refType="primFontSz" fact="0.3"/>
+          <dgm:constr type="rMarg" refType="primFontSz" fact="0.3"/>
+        </dgm:constrLst>
+        <dgm:ruleLst>
+          <dgm:rule type="primFontSz" val="18" fact="NaN" max="NaN"/>
+          <dgm:rule type="w" val="NaN" fact="4" max="NaN"/>
+          <dgm:rule type="primFontSz" val="5" fact="NaN" max="NaN"/>
+        </dgm:ruleLst>
+      </dgm:layoutNode>
+      <dgm:forEach name="sibTransForEach" axis="followSib" ptType="sibTrans" cnt="1">
+        <dgm:layoutNode name="sibTrans">
+          <dgm:alg type="conn">
+            <dgm:param type="begPts" val="auto"/>
+            <dgm:param type="endPts" val="auto"/>
+          </dgm:alg>
+          <dgm:shape xmlns:r="http://schemas.openxmlformats.org/officeDocument/2006/relationships" type="conn" r:blip="">
+            <dgm:adjLst/>
+          </dgm:shape>
+          <dgm:presOf axis="self"/>
+          <dgm:constrLst>
+            <dgm:constr type="w" refType="h" fact="0.9"/>
+            <dgm:constr type="connDist"/>
+            <dgm:constr type="wArH" refType="w" fact="0.5"/>
+            <dgm:constr type="hArH" refType="w"/>
+            <dgm:constr type="stemThick" refType="w" fact="0.6"/>
+            <dgm:constr type="begPad" refType="connDist" fact="0.125"/>
+            <dgm:constr type="endPad" refType="connDist" fact="0.125"/>
+          </dgm:constrLst>
+          <dgm:ruleLst/>
+          <dgm:layoutNode name="connectorText">
+            <dgm:alg type="tx">
+              <dgm:param type="autoTxRot" val="upr"/>
+            </dgm:alg>
+            <dgm:shape xmlns:r="http://schemas.openxmlformats.org/officeDocument/2006/relationships" type="conn" r:blip="" hideGeom="1">
+              <dgm:adjLst/>
+            </dgm:shape>
+            <dgm:presOf axis="self"/>
+            <dgm:constrLst>
+              <dgm:constr type="lMarg"/>
+              <dgm:constr type="rMarg"/>
+              <dgm:constr type="tMarg"/>
+              <dgm:constr type="bMarg"/>
+            </dgm:constrLst>
+            <dgm:ruleLst>
+              <dgm:rule type="primFontSz" val="5" fact="NaN" max="NaN"/>
+            </dgm:ruleLst>
+          </dgm:layoutNode>
+        </dgm:layoutNode>
+      </dgm:forEach>
+    </dgm:forEach>
+  </dgm:layoutNode>
+</dgm:layoutDef>
+</file>
+
+<file path=ppt/diagrams/quickStyle1.xml><?xml version="1.0" encoding="utf-8"?>
+<dgm:styleDef xmlns:dgm="http://schemas.openxmlformats.org/drawingml/2006/diagram" xmlns:a="http://schemas.openxmlformats.org/drawingml/2006/main" uniqueId="urn:microsoft.com/office/officeart/2005/8/quickstyle/simple1">
+  <dgm:title val=""/>
+  <dgm:desc val=""/>
+  <dgm:catLst>
+    <dgm:cat type="simple" pri="10100"/>
+  </dgm:catLst>
+  <dgm:scene3d>
+    <a:camera prst="orthographicFront"/>
+    <a:lightRig rig="threePt" dir="t"/>
+  </dgm:scene3d>
+  <dgm:styleLbl name="node0">
+    <dgm:scene3d>
+      <a:camera prst="orthographicFront"/>
+      <a:lightRig rig="threePt" dir="t"/>
+    </dgm:scene3d>
+    <dgm:sp3d/>
+    <dgm:txPr/>
+    <dgm:style>
+      <a:lnRef idx="2">
+        <a:scrgbClr r="0" g="0" b="0"/>
+      </a:lnRef>
+      <a:fillRef idx="1">
+        <a:scrgbClr r="0" g="0" b="0"/>
+      </a:fillRef>
+      <a:effectRef idx="0">
+        <a:scrgbClr r="0" g="0" b="0"/>
+      </a:effectRef>
+      <a:fontRef idx="minor">
+        <a:schemeClr val="lt1"/>
+      </a:fontRef>
+    </dgm:style>
+  </dgm:styleLbl>
+  <dgm:styleLbl name="lnNode1">
+    <dgm:scene3d>
+      <a:camera prst="orthographicFront"/>
+      <a:lightRig rig="threePt" dir="t"/>
+    </dgm:scene3d>
+    <dgm:sp3d/>
+    <dgm:txPr/>
+    <dgm:style>
+      <a:lnRef idx="2">
+        <a:scrgbClr r="0" g="0" b="0"/>
+      </a:lnRef>
+      <a:fillRef idx="1">
+        <a:scrgbClr r="0" g="0" b="0"/>
+      </a:fillRef>
+      <a:effectRef idx="0">
+        <a:scrgbClr r="0" g="0" b="0"/>
+      </a:effectRef>
+      <a:fontRef idx="minor">
+        <a:schemeClr val="lt1"/>
+      </a:fontRef>
+    </dgm:style>
+  </dgm:styleLbl>
+  <dgm:styleLbl name="vennNode1">
+    <dgm:scene3d>
+      <a:camera prst="orthographicFront"/>
+      <a:lightRig rig="threePt" dir="t"/>
+    </dgm:scene3d>
+    <dgm:sp3d/>
+    <dgm:txPr/>
+    <dgm:style>
+      <a:lnRef idx="2">
+        <a:scrgbClr r="0" g="0" b="0"/>
+      </a:lnRef>
+      <a:fillRef idx="1">
+        <a:scrgbClr r="0" g="0" b="0"/>
+      </a:fillRef>
+      <a:effectRef idx="0">
+        <a:scrgbClr r="0" g="0" b="0"/>
+      </a:effectRef>
+      <a:fontRef idx="minor">
+        <a:schemeClr val="tx1"/>
+      </a:fontRef>
+    </dgm:style>
+  </dgm:styleLbl>
+  <dgm:styleLbl name="alignNode1">
+    <dgm:scene3d>
+      <a:camera prst="orthographicFront"/>
+      <a:lightRig rig="threePt" dir="t"/>
+    </dgm:scene3d>
+    <dgm:sp3d/>
+    <dgm:txPr/>
+    <dgm:style>
+      <a:lnRef idx="2">
+        <a:scrgbClr r="0" g="0" b="0"/>
+      </a:lnRef>
+      <a:fillRef idx="1">
+        <a:scrgbClr r="0" g="0" b="0"/>
+      </a:fillRef>
+      <a:effectRef idx="0">
+        <a:scrgbClr r="0" g="0" b="0"/>
+      </a:effectRef>
+      <a:fontRef idx="minor">
+        <a:schemeClr val="lt1"/>
+      </a:fontRef>
+    </dgm:style>
+  </dgm:styleLbl>
+  <dgm:styleLbl name="node1">
+    <dgm:scene3d>
+      <a:camera prst="orthographicFront"/>
+      <a:lightRig rig="threePt" dir="t"/>
+    </dgm:scene3d>
+    <dgm:sp3d/>
+    <dgm:txPr/>
+    <dgm:style>
+      <a:lnRef idx="2">
+        <a:scrgbClr r="0" g="0" b="0"/>
+      </a:lnRef>
+      <a:fillRef idx="1">
+        <a:scrgbClr r="0" g="0" b="0"/>
+      </a:fillRef>
+      <a:effectRef idx="0">
+        <a:scrgbClr r="0" g="0" b="0"/>
+      </a:effectRef>
+      <a:fontRef idx="minor">
+        <a:schemeClr val="lt1"/>
+      </a:fontRef>
+    </dgm:style>
+  </dgm:styleLbl>
+  <dgm:styleLbl name="node2">
+    <dgm:scene3d>
+      <a:camera prst="orthographicFront"/>
+      <a:lightRig rig="threePt" dir="t"/>
+    </dgm:scene3d>
+    <dgm:sp3d/>
+    <dgm:txPr/>
+    <dgm:style>
+      <a:lnRef idx="2">
+        <a:scrgbClr r="0" g="0" b="0"/>
+      </a:lnRef>
+      <a:fillRef idx="1">
+        <a:scrgbClr r="0" g="0" b="0"/>
+      </a:fillRef>
+      <a:effectRef idx="0">
+        <a:scrgbClr r="0" g="0" b="0"/>
+      </a:effectRef>
+      <a:fontRef idx="minor">
+        <a:schemeClr val="lt1"/>
+      </a:fontRef>
+    </dgm:style>
+  </dgm:styleLbl>
+  <dgm:styleLbl name="node3">
+    <dgm:scene3d>
+      <a:camera prst="orthographicFront"/>
+      <a:lightRig rig="threePt" dir="t"/>
+    </dgm:scene3d>
+    <dgm:sp3d/>
+    <dgm:txPr/>
+    <dgm:style>
+      <a:lnRef idx="2">
+        <a:scrgbClr r="0" g="0" b="0"/>
+      </a:lnRef>
+      <a:fillRef idx="1">
+        <a:scrgbClr r="0" g="0" b="0"/>
+      </a:fillRef>
+      <a:effectRef idx="0">
+        <a:scrgbClr r="0" g="0" b="0"/>
+      </a:effectRef>
+      <a:fontRef idx="minor">
+        <a:schemeClr val="lt1"/>
+      </a:fontRef>
+    </dgm:style>
+  </dgm:styleLbl>
+  <dgm:styleLbl name="node4">
+    <dgm:scene3d>
+      <a:camera prst="orthographicFront"/>
+      <a:lightRig rig="threePt" dir="t"/>
+    </dgm:scene3d>
+    <dgm:sp3d/>
+    <dgm:txPr/>
+    <dgm:style>
+      <a:lnRef idx="2">
+        <a:scrgbClr r="0" g="0" b="0"/>
+      </a:lnRef>
+      <a:fillRef idx="1">
+        <a:scrgbClr r="0" g="0" b="0"/>
+      </a:fillRef>
+      <a:effectRef idx="0">
+        <a:scrgbClr r="0" g="0" b="0"/>
+      </a:effectRef>
+      <a:fontRef idx="minor">
+        <a:schemeClr val="lt1"/>
+      </a:fontRef>
+    </dgm:style>
+  </dgm:styleLbl>
+  <dgm:styleLbl name="fgImgPlace1">
+    <dgm:scene3d>
+      <a:camera prst="orthographicFront"/>
+      <a:lightRig rig="threePt" dir="t"/>
+    </dgm:scene3d>
+    <dgm:sp3d/>
+    <dgm:txPr/>
+    <dgm:style>
+      <a:lnRef idx="2">
+        <a:scrgbClr r="0" g="0" b="0"/>
+      </a:lnRef>
+      <a:fillRef idx="1">
+        <a:scrgbClr r="0" g="0" b="0"/>
+      </a:fillRef>
+      <a:effectRef idx="0">
+        <a:scrgbClr r="0" g="0" b="0"/>
+      </a:effectRef>
+      <a:fontRef idx="minor"/>
+    </dgm:style>
+  </dgm:styleLbl>
+  <dgm:styleLbl name="alignImgPlace1">
+    <dgm:scene3d>
+      <a:camera prst="orthographicFront"/>
+      <a:lightRig rig="threePt" dir="t"/>
+    </dgm:scene3d>
+    <dgm:sp3d/>
+    <dgm:txPr/>
+    <dgm:style>
+      <a:lnRef idx="2">
+        <a:scrgbClr r="0" g="0" b="0"/>
+      </a:lnRef>
+      <a:fillRef idx="1">
+        <a:scrgbClr r="0" g="0" b="0"/>
+      </a:fillRef>
+      <a:effectRef idx="0">
+        <a:scrgbClr r="0" g="0" b="0"/>
+      </a:effectRef>
+      <a:fontRef idx="minor"/>
+    </dgm:style>
+  </dgm:styleLbl>
+  <dgm:styleLbl name="bgImgPlace1">
+    <dgm:scene3d>
+      <a:camera prst="orthographicFront"/>
+      <a:lightRig rig="threePt" dir="t"/>
+    </dgm:scene3d>
+    <dgm:sp3d/>
+    <dgm:txPr/>
+    <dgm:style>
+      <a:lnRef idx="2">
+        <a:scrgbClr r="0" g="0" b="0"/>
+      </a:lnRef>
+      <a:fillRef idx="1">
+        <a:scrgbClr r="0" g="0" b="0"/>
+      </a:fillRef>
+      <a:effectRef idx="0">
+        <a:scrgbClr r="0" g="0" b="0"/>
+      </a:effectRef>
+      <a:fontRef idx="minor"/>
+    </dgm:style>
+  </dgm:styleLbl>
+  <dgm:styleLbl name="sibTrans2D1">
+    <dgm:scene3d>
+      <a:camera prst="orthographicFront"/>
+      <a:lightRig rig="threePt" dir="t"/>
+    </dgm:scene3d>
+    <dgm:sp3d/>
+    <dgm:txPr/>
+    <dgm:style>
+      <a:lnRef idx="0">
+        <a:scrgbClr r="0" g="0" b="0"/>
+      </a:lnRef>
+      <a:fillRef idx="1">
+        <a:scrgbClr r="0" g="0" b="0"/>
+      </a:fillRef>
+      <a:effectRef idx="0">
+        <a:scrgbClr r="0" g="0" b="0"/>
+      </a:effectRef>
+      <a:fontRef idx="minor">
+        <a:schemeClr val="lt1"/>
+      </a:fontRef>
+    </dgm:style>
+  </dgm:styleLbl>
+  <dgm:styleLbl name="fgSibTrans2D1">
+    <dgm:scene3d>
+      <a:camera prst="orthographicFront"/>
+      <a:lightRig rig="threePt" dir="t"/>
+    </dgm:scene3d>
+    <dgm:sp3d/>
+    <dgm:txPr/>
+    <dgm:style>
+      <a:lnRef idx="0">
+        <a:scrgbClr r="0" g="0" b="0"/>
+      </a:lnRef>
+      <a:fillRef idx="1">
+        <a:scrgbClr r="0" g="0" b="0"/>
+      </a:fillRef>
+      <a:effectRef idx="0">
+        <a:scrgbClr r="0" g="0" b="0"/>
+      </a:effectRef>
+      <a:fontRef idx="minor">
+        <a:schemeClr val="lt1"/>
+      </a:fontRef>
+    </dgm:style>
+  </dgm:styleLbl>
+  <dgm:styleLbl name="bgSibTrans2D1">
+    <dgm:scene3d>
+      <a:camera prst="orthographicFront"/>
+      <a:lightRig rig="threePt" dir="t"/>
+    </dgm:scene3d>
+    <dgm:sp3d/>
+    <dgm:txPr/>
+    <dgm:style>
+      <a:lnRef idx="0">
+        <a:scrgbClr r="0" g="0" b="0"/>
+      </a:lnRef>
+      <a:fillRef idx="1">
+        <a:scrgbClr r="0" g="0" b="0"/>
+      </a:fillRef>
+      <a:effectRef idx="0">
+        <a:scrgbClr r="0" g="0" b="0"/>
+      </a:effectRef>
+      <a:fontRef idx="minor">
+        <a:schemeClr val="lt1"/>
+      </a:fontRef>
+    </dgm:style>
+  </dgm:styleLbl>
+  <dgm:styleLbl name="sibTrans1D1">
+    <dgm:scene3d>
+      <a:camera prst="orthographicFront"/>
+      <a:lightRig rig="threePt" dir="t"/>
+    </dgm:scene3d>
+    <dgm:sp3d/>
+    <dgm:txPr/>
+    <dgm:style>
+      <a:lnRef idx="1">
+        <a:scrgbClr r="0" g="0" b="0"/>
+      </a:lnRef>
+      <a:fillRef idx="0">
+        <a:scrgbClr r="0" g="0" b="0"/>
+      </a:fillRef>
+      <a:effectRef idx="0">
+        <a:scrgbClr r="0" g="0" b="0"/>
+      </a:effectRef>
+      <a:fontRef idx="minor"/>
+    </dgm:style>
+  </dgm:styleLbl>
+  <dgm:styleLbl name="callout">
+    <dgm:scene3d>
+      <a:camera prst="orthographicFront"/>
+      <a:lightRig rig="threePt" dir="t"/>
+    </dgm:scene3d>
+    <dgm:sp3d/>
+    <dgm:txPr/>
+    <dgm:style>
+      <a:lnRef idx="2">
+        <a:scrgbClr r="0" g="0" b="0"/>
+      </a:lnRef>
+      <a:fillRef idx="1">
+        <a:scrgbClr r="0" g="0" b="0"/>
+      </a:fillRef>
+      <a:effectRef idx="0">
+        <a:scrgbClr r="0" g="0" b="0"/>
+      </a:effectRef>
+      <a:fontRef idx="minor"/>
+    </dgm:style>
+  </dgm:styleLbl>
+  <dgm:styleLbl name="asst0">
+    <dgm:scene3d>
+      <a:camera prst="orthographicFront"/>
+      <a:lightRig rig="threePt" dir="t"/>
+    </dgm:scene3d>
+    <dgm:sp3d/>
+    <dgm:txPr/>
+    <dgm:style>
+      <a:lnRef idx="2">
+        <a:scrgbClr r="0" g="0" b="0"/>
+      </a:lnRef>
+      <a:fillRef idx="1">
+        <a:scrgbClr r="0" g="0" b="0"/>
+      </a:fillRef>
+      <a:effectRef idx="0">
+        <a:scrgbClr r="0" g="0" b="0"/>
+      </a:effectRef>
+      <a:fontRef idx="minor">
+        <a:schemeClr val="lt1"/>
+      </a:fontRef>
+    </dgm:style>
+  </dgm:styleLbl>
+  <dgm:styleLbl name="asst1">
+    <dgm:scene3d>
+      <a:camera prst="orthographicFront"/>
+      <a:lightRig rig="threePt" dir="t"/>
+    </dgm:scene3d>
+    <dgm:sp3d/>
+    <dgm:txPr/>
+    <dgm:style>
+      <a:lnRef idx="2">
+        <a:scrgbClr r="0" g="0" b="0"/>
+      </a:lnRef>
+      <a:fillRef idx="1">
+        <a:scrgbClr r="0" g="0" b="0"/>
+      </a:fillRef>
+      <a:effectRef idx="0">
+        <a:scrgbClr r="0" g="0" b="0"/>
+      </a:effectRef>
+      <a:fontRef idx="minor">
+        <a:schemeClr val="lt1"/>
+      </a:fontRef>
+    </dgm:style>
+  </dgm:styleLbl>
+  <dgm:styleLbl name="asst2">
+    <dgm:scene3d>
+      <a:camera prst="orthographicFront"/>
+      <a:lightRig rig="threePt" dir="t"/>
+    </dgm:scene3d>
+    <dgm:sp3d/>
+    <dgm:txPr/>
+    <dgm:style>
+      <a:lnRef idx="2">
+        <a:scrgbClr r="0" g="0" b="0"/>
+      </a:lnRef>
+      <a:fillRef idx="1">
+        <a:scrgbClr r="0" g="0" b="0"/>
+      </a:fillRef>
+      <a:effectRef idx="0">
+        <a:scrgbClr r="0" g="0" b="0"/>
+      </a:effectRef>
+      <a:fontRef idx="minor">
+        <a:schemeClr val="lt1"/>
+      </a:fontRef>
+    </dgm:style>
+  </dgm:styleLbl>
+  <dgm:styleLbl name="asst3">
+    <dgm:scene3d>
+      <a:camera prst="orthographicFront"/>
+      <a:lightRig rig="threePt" dir="t"/>
+    </dgm:scene3d>
+    <dgm:sp3d/>
+    <dgm:txPr/>
+    <dgm:style>
+      <a:lnRef idx="2">
+        <a:scrgbClr r="0" g="0" b="0"/>
+      </a:lnRef>
+      <a:fillRef idx="1">
+        <a:scrgbClr r="0" g="0" b="0"/>
+      </a:fillRef>
+      <a:effectRef idx="0">
+        <a:scrgbClr r="0" g="0" b="0"/>
+      </a:effectRef>
+      <a:fontRef idx="minor">
+        <a:schemeClr val="lt1"/>
+      </a:fontRef>
+    </dgm:style>
+  </dgm:styleLbl>
+  <dgm:styleLbl name="asst4">
+    <dgm:scene3d>
+      <a:camera prst="orthographicFront"/>
+      <a:lightRig rig="threePt" dir="t"/>
+    </dgm:scene3d>
+    <dgm:sp3d/>
+    <dgm:txPr/>
+    <dgm:style>
+      <a:lnRef idx="2">
+        <a:scrgbClr r="0" g="0" b="0"/>
+      </a:lnRef>
+      <a:fillRef idx="1">
+        <a:scrgbClr r="0" g="0" b="0"/>
+      </a:fillRef>
+      <a:effectRef idx="0">
+        <a:scrgbClr r="0" g="0" b="0"/>
+      </a:effectRef>
+      <a:fontRef idx="minor">
+        <a:schemeClr val="lt1"/>
+      </a:fontRef>
+    </dgm:style>
+  </dgm:styleLbl>
+  <dgm:styleLbl name="parChTrans2D1">
+    <dgm:scene3d>
+      <a:camera prst="orthographicFront"/>
+      <a:lightRig rig="threePt" dir="t"/>
+    </dgm:scene3d>
+    <dgm:sp3d/>
+    <dgm:txPr/>
+    <dgm:style>
+      <a:lnRef idx="2">
+        <a:scrgbClr r="0" g="0" b="0"/>
+      </a:lnRef>
+      <a:fillRef idx="1">
+        <a:scrgbClr r="0" g="0" b="0"/>
+      </a:fillRef>
+      <a:effectRef idx="0">
+        <a:scrgbClr r="0" g="0" b="0"/>
+      </a:effectRef>
+      <a:fontRef idx="minor">
+        <a:schemeClr val="lt1"/>
+      </a:fontRef>
+    </dgm:style>
+  </dgm:styleLbl>
+  <dgm:styleLbl name="parChTrans2D2">
+    <dgm:scene3d>
+      <a:camera prst="orthographicFront"/>
+      <a:lightRig rig="threePt" dir="t"/>
+    </dgm:scene3d>
+    <dgm:sp3d/>
+    <dgm:txPr/>
+    <dgm:style>
+      <a:lnRef idx="2">
+        <a:scrgbClr r="0" g="0" b="0"/>
+      </a:lnRef>
+      <a:fillRef idx="1">
+        <a:scrgbClr r="0" g="0" b="0"/>
+      </a:fillRef>
+      <a:effectRef idx="0">
+        <a:scrgbClr r="0" g="0" b="0"/>
+      </a:effectRef>
+      <a:fontRef idx="minor">
+        <a:schemeClr val="lt1"/>
+      </a:fontRef>
+    </dgm:style>
+  </dgm:styleLbl>
+  <dgm:styleLbl name="parChTrans2D3">
+    <dgm:scene3d>
+      <a:camera prst="orthographicFront"/>
+      <a:lightRig rig="threePt" dir="t"/>
+    </dgm:scene3d>
+    <dgm:sp3d/>
+    <dgm:txPr/>
+    <dgm:style>
+      <a:lnRef idx="2">
+        <a:scrgbClr r="0" g="0" b="0"/>
+      </a:lnRef>
+      <a:fillRef idx="1">
+        <a:scrgbClr r="0" g="0" b="0"/>
+      </a:fillRef>
+      <a:effectRef idx="0">
+        <a:scrgbClr r="0" g="0" b="0"/>
+      </a:effectRef>
+      <a:fontRef idx="minor">
+        <a:schemeClr val="lt1"/>
+      </a:fontRef>
+    </dgm:style>
+  </dgm:styleLbl>
+  <dgm:styleLbl name="parChTrans2D4">
+    <dgm:scene3d>
+      <a:camera prst="orthographicFront"/>
+      <a:lightRig rig="threePt" dir="t"/>
+    </dgm:scene3d>
+    <dgm:sp3d/>
+    <dgm:txPr/>
+    <dgm:style>
+      <a:lnRef idx="2">
+        <a:scrgbClr r="0" g="0" b="0"/>
+      </a:lnRef>
+      <a:fillRef idx="1">
+        <a:scrgbClr r="0" g="0" b="0"/>
+      </a:fillRef>
+      <a:effectRef idx="0">
+        <a:scrgbClr r="0" g="0" b="0"/>
+      </a:effectRef>
+      <a:fontRef idx="minor">
+        <a:schemeClr val="lt1"/>
+      </a:fontRef>
+    </dgm:style>
+  </dgm:styleLbl>
+  <dgm:styleLbl name="parChTrans1D1">
+    <dgm:scene3d>
+      <a:camera prst="orthographicFront"/>
+      <a:lightRig rig="threePt" dir="t"/>
+    </dgm:scene3d>
+    <dgm:sp3d/>
+    <dgm:txPr/>
+    <dgm:style>
+      <a:lnRef idx="2">
+        <a:scrgbClr r="0" g="0" b="0"/>
+      </a:lnRef>
+      <a:fillRef idx="0">
+        <a:scrgbClr r="0" g="0" b="0"/>
+      </a:fillRef>
+      <a:effectRef idx="0">
+        <a:scrgbClr r="0" g="0" b="0"/>
+      </a:effectRef>
+      <a:fontRef idx="minor"/>
+    </dgm:style>
+  </dgm:styleLbl>
+  <dgm:styleLbl name="parChTrans1D2">
+    <dgm:scene3d>
+      <a:camera prst="orthographicFront"/>
+      <a:lightRig rig="threePt" dir="t"/>
+    </dgm:scene3d>
+    <dgm:sp3d/>
+    <dgm:txPr/>
+    <dgm:style>
+      <a:lnRef idx="2">
+        <a:scrgbClr r="0" g="0" b="0"/>
+      </a:lnRef>
+      <a:fillRef idx="0">
+        <a:scrgbClr r="0" g="0" b="0"/>
+      </a:fillRef>
+      <a:effectRef idx="0">
+        <a:scrgbClr r="0" g="0" b="0"/>
+      </a:effectRef>
+      <a:fontRef idx="minor"/>
+    </dgm:style>
+  </dgm:styleLbl>
+  <dgm:styleLbl name="parChTrans1D3">
+    <dgm:scene3d>
+      <a:camera prst="orthographicFront"/>
+      <a:lightRig rig="threePt" dir="t"/>
+    </dgm:scene3d>
+    <dgm:sp3d/>
+    <dgm:txPr/>
+    <dgm:style>
+      <a:lnRef idx="2">
+        <a:scrgbClr r="0" g="0" b="0"/>
+      </a:lnRef>
+      <a:fillRef idx="0">
+        <a:scrgbClr r="0" g="0" b="0"/>
+      </a:fillRef>
+      <a:effectRef idx="0">
+        <a:scrgbClr r="0" g="0" b="0"/>
+      </a:effectRef>
+      <a:fontRef idx="minor"/>
+    </dgm:style>
+  </dgm:styleLbl>
+  <dgm:styleLbl name="parChTrans1D4">
+    <dgm:scene3d>
+      <a:camera prst="orthographicFront"/>
+      <a:lightRig rig="threePt" dir="t"/>
+    </dgm:scene3d>
+    <dgm:sp3d/>
+    <dgm:txPr/>
+    <dgm:style>
+      <a:lnRef idx="2">
+        <a:scrgbClr r="0" g="0" b="0"/>
+      </a:lnRef>
+      <a:fillRef idx="0">
+        <a:scrgbClr r="0" g="0" b="0"/>
+      </a:fillRef>
+      <a:effectRef idx="0">
+        <a:scrgbClr r="0" g="0" b="0"/>
+      </a:effectRef>
+      <a:fontRef idx="minor"/>
+    </dgm:style>
+  </dgm:styleLbl>
+  <dgm:styleLbl name="fgAcc1">
+    <dgm:scene3d>
+      <a:camera prst="orthographicFront"/>
+      <a:lightRig rig="threePt" dir="t"/>
+    </dgm:scene3d>
+    <dgm:sp3d/>
+    <dgm:txPr/>
+    <dgm:style>
+      <a:lnRef idx="2">
+        <a:scrgbClr r="0" g="0" b="0"/>
+      </a:lnRef>
+      <a:fillRef idx="1">
+        <a:scrgbClr r="0" g="0" b="0"/>
+      </a:fillRef>
+      <a:effectRef idx="0">
+        <a:scrgbClr r="0" g="0" b="0"/>
+      </a:effectRef>
+      <a:fontRef idx="minor"/>
+    </dgm:style>
+  </dgm:styleLbl>
+  <dgm:styleLbl name="conFgAcc1">
+    <dgm:scene3d>
+      <a:camera prst="orthographicFront"/>
+      <a:lightRig rig="threePt" dir="t"/>
+    </dgm:scene3d>
+    <dgm:sp3d/>
+    <dgm:txPr/>
+    <dgm:style>
+      <a:lnRef idx="2">
+        <a:scrgbClr r="0" g="0" b="0"/>
+      </a:lnRef>
+      <a:fillRef idx="1">
+        <a:scrgbClr r="0" g="0" b="0"/>
+      </a:fillRef>
+      <a:effectRef idx="0">
+        <a:scrgbClr r="0" g="0" b="0"/>
+      </a:effectRef>
+      <a:fontRef idx="minor"/>
+    </dgm:style>
+  </dgm:styleLbl>
+  <dgm:styleLbl name="alignAcc1">
+    <dgm:scene3d>
+      <a:camera prst="orthographicFront"/>
+      <a:lightRig rig="threePt" dir="t"/>
+    </dgm:scene3d>
+    <dgm:sp3d/>
+    <dgm:txPr/>
+    <dgm:style>
+      <a:lnRef idx="2">
+        <a:scrgbClr r="0" g="0" b="0"/>
+      </a:lnRef>
+      <a:fillRef idx="1">
+        <a:scrgbClr r="0" g="0" b="0"/>
+      </a:fillRef>
+      <a:effectRef idx="0">
+        <a:scrgbClr r="0" g="0" b="0"/>
+      </a:effectRef>
+      <a:fontRef idx="minor"/>
+    </dgm:style>
+  </dgm:styleLbl>
+  <dgm:styleLbl name="trAlignAcc1">
+    <dgm:scene3d>
+      <a:camera prst="orthographicFront"/>
+      <a:lightRig rig="threePt" dir="t"/>
+    </dgm:scene3d>
+    <dgm:sp3d/>
+    <dgm:txPr/>
+    <dgm:style>
+      <a:lnRef idx="1">
+        <a:scrgbClr r="0" g="0" b="0"/>
+      </a:lnRef>
+      <a:fillRef idx="1">
+        <a:scrgbClr r="0" g="0" b="0"/>
+      </a:fillRef>
+      <a:effectRef idx="0">
+        <a:scrgbClr r="0" g="0" b="0"/>
+      </a:effectRef>
+      <a:fontRef idx="minor"/>
+    </dgm:style>
+  </dgm:styleLbl>
+  <dgm:styleLbl name="bgAcc1">
+    <dgm:scene3d>
+      <a:camera prst="orthographicFront"/>
+      <a:lightRig rig="threePt" dir="t"/>
+    </dgm:scene3d>
+    <dgm:sp3d/>
+    <dgm:txPr/>
+    <dgm:style>
+      <a:lnRef idx="2">
+        <a:scrgbClr r="0" g="0" b="0"/>
+      </a:lnRef>
+      <a:fillRef idx="1">
+        <a:scrgbClr r="0" g="0" b="0"/>
+      </a:fillRef>
+      <a:effectRef idx="0">
+        <a:scrgbClr r="0" g="0" b="0"/>
+      </a:effectRef>
+      <a:fontRef idx="minor"/>
+    </dgm:style>
+  </dgm:styleLbl>
+  <dgm:styleLbl name="solidFgAcc1">
+    <dgm:scene3d>
+      <a:camera prst="orthographicFront"/>
+      <a:lightRig rig="threePt" dir="t"/>
+    </dgm:scene3d>
+    <dgm:sp3d/>
+    <dgm:txPr/>
+    <dgm:style>
+      <a:lnRef idx="2">
+        <a:scrgbClr r="0" g="0" b="0"/>
+      </a:lnRef>
+      <a:fillRef idx="1">
+        <a:scrgbClr r="0" g="0" b="0"/>
+      </a:fillRef>
+      <a:effectRef idx="0">
+        <a:scrgbClr r="0" g="0" b="0"/>
+      </a:effectRef>
+      <a:fontRef idx="minor"/>
+    </dgm:style>
+  </dgm:styleLbl>
+  <dgm:styleLbl name="solidAlignAcc1">
+    <dgm:scene3d>
+      <a:camera prst="orthographicFront"/>
+      <a:lightRig rig="threePt" dir="t"/>
+    </dgm:scene3d>
+    <dgm:sp3d/>
+    <dgm:txPr/>
+    <dgm:style>
+      <a:lnRef idx="2">
+        <a:scrgbClr r="0" g="0" b="0"/>
+      </a:lnRef>
+      <a:fillRef idx="1">
+        <a:scrgbClr r="0" g="0" b="0"/>
+      </a:fillRef>
+      <a:effectRef idx="0">
+        <a:scrgbClr r="0" g="0" b="0"/>
+      </a:effectRef>
+      <a:fontRef idx="minor"/>
+    </dgm:style>
+  </dgm:styleLbl>
+  <dgm:styleLbl name="solidBgAcc1">
+    <dgm:scene3d>
+      <a:camera prst="orthographicFront"/>
+      <a:lightRig rig="threePt" dir="t"/>
+    </dgm:scene3d>
+    <dgm:sp3d/>
+    <dgm:txPr/>
+    <dgm:style>
+      <a:lnRef idx="2">
+        <a:scrgbClr r="0" g="0" b="0"/>
+      </a:lnRef>
+      <a:fillRef idx="1">
+        <a:scrgbClr r="0" g="0" b="0"/>
+      </a:fillRef>
+      <a:effectRef idx="0">
+        <a:scrgbClr r="0" g="0" b="0"/>
+      </a:effectRef>
+      <a:fontRef idx="minor"/>
+    </dgm:style>
+  </dgm:styleLbl>
+  <dgm:styleLbl name="fgAccFollowNode1">
+    <dgm:scene3d>
+      <a:camera prst="orthographicFront"/>
+      <a:lightRig rig="threePt" dir="t"/>
+    </dgm:scene3d>
+    <dgm:sp3d/>
+    <dgm:txPr/>
+    <dgm:style>
+      <a:lnRef idx="2">
+        <a:scrgbClr r="0" g="0" b="0"/>
+      </a:lnRef>
+      <a:fillRef idx="1">
+        <a:scrgbClr r="0" g="0" b="0"/>
+      </a:fillRef>
+      <a:effectRef idx="0">
+        <a:scrgbClr r="0" g="0" b="0"/>
+      </a:effectRef>
+      <a:fontRef idx="minor"/>
+    </dgm:style>
+  </dgm:styleLbl>
+  <dgm:styleLbl name="alignAccFollowNode1">
+    <dgm:scene3d>
+      <a:camera prst="orthographicFront"/>
+      <a:lightRig rig="threePt" dir="t"/>
+    </dgm:scene3d>
+    <dgm:sp3d/>
+    <dgm:txPr/>
+    <dgm:style>
+      <a:lnRef idx="2">
+        <a:scrgbClr r="0" g="0" b="0"/>
+      </a:lnRef>
+      <a:fillRef idx="1">
+        <a:scrgbClr r="0" g="0" b="0"/>
+      </a:fillRef>
+      <a:effectRef idx="0">
+        <a:scrgbClr r="0" g="0" b="0"/>
+      </a:effectRef>
+      <a:fontRef idx="minor"/>
+    </dgm:style>
+  </dgm:styleLbl>
+  <dgm:styleLbl name="bgAccFollowNode1">
+    <dgm:scene3d>
+      <a:camera prst="orthographicFront"/>
+      <a:lightRig rig="threePt" dir="t"/>
+    </dgm:scene3d>
+    <dgm:sp3d/>
+    <dgm:txPr/>
+    <dgm:style>
+      <a:lnRef idx="2">
+        <a:scrgbClr r="0" g="0" b="0"/>
+      </a:lnRef>
+      <a:fillRef idx="1">
+        <a:scrgbClr r="0" g="0" b="0"/>
+      </a:fillRef>
+      <a:effectRef idx="0">
+        <a:scrgbClr r="0" g="0" b="0"/>
+      </a:effectRef>
+      <a:fontRef idx="minor"/>
+    </dgm:style>
+  </dgm:styleLbl>
+  <dgm:styleLbl name="fgAcc0">
+    <dgm:scene3d>
+      <a:camera prst="orthographicFront"/>
+      <a:lightRig rig="threePt" dir="t"/>
+    </dgm:scene3d>
+    <dgm:sp3d/>
+    <dgm:txPr/>
+    <dgm:style>
+      <a:lnRef idx="2">
+        <a:scrgbClr r="0" g="0" b="0"/>
+      </a:lnRef>
+      <a:fillRef idx="1">
+        <a:scrgbClr r="0" g="0" b="0"/>
+      </a:fillRef>
+      <a:effectRef idx="0">
+        <a:scrgbClr r="0" g="0" b="0"/>
+      </a:effectRef>
+      <a:fontRef idx="minor"/>
+    </dgm:style>
+  </dgm:styleLbl>
+  <dgm:styleLbl name="fgAcc2">
+    <dgm:scene3d>
+      <a:camera prst="orthographicFront"/>
+      <a:lightRig rig="threePt" dir="t"/>
+    </dgm:scene3d>
+    <dgm:sp3d/>
+    <dgm:txPr/>
+    <dgm:style>
+      <a:lnRef idx="2">
+        <a:scrgbClr r="0" g="0" b="0"/>
+      </a:lnRef>
+      <a:fillRef idx="1">
+        <a:scrgbClr r="0" g="0" b="0"/>
+      </a:fillRef>
+      <a:effectRef idx="0">
+        <a:scrgbClr r="0" g="0" b="0"/>
+      </a:effectRef>
+      <a:fontRef idx="minor"/>
+    </dgm:style>
+  </dgm:styleLbl>
+  <dgm:styleLbl name="fgAcc3">
+    <dgm:scene3d>
+      <a:camera prst="orthographicFront"/>
+      <a:lightRig rig="threePt" dir="t"/>
+    </dgm:scene3d>
+    <dgm:sp3d/>
+    <dgm:txPr/>
+    <dgm:style>
+      <a:lnRef idx="2">
+        <a:scrgbClr r="0" g="0" b="0"/>
+      </a:lnRef>
+      <a:fillRef idx="1">
+        <a:scrgbClr r="0" g="0" b="0"/>
+      </a:fillRef>
+      <a:effectRef idx="0">
+        <a:scrgbClr r="0" g="0" b="0"/>
+      </a:effectRef>
+      <a:fontRef idx="minor"/>
+    </dgm:style>
+  </dgm:styleLbl>
+  <dgm:styleLbl name="fgAcc4">
+    <dgm:scene3d>
+      <a:camera prst="orthographicFront"/>
+      <a:lightRig rig="threePt" dir="t"/>
+    </dgm:scene3d>
+    <dgm:sp3d/>
+    <dgm:txPr/>
+    <dgm:style>
+      <a:lnRef idx="2">
+        <a:scrgbClr r="0" g="0" b="0"/>
+      </a:lnRef>
+      <a:fillRef idx="1">
+        <a:scrgbClr r="0" g="0" b="0"/>
+      </a:fillRef>
+      <a:effectRef idx="0">
+        <a:scrgbClr r="0" g="0" b="0"/>
+      </a:effectRef>
+      <a:fontRef idx="minor"/>
+    </dgm:style>
+  </dgm:styleLbl>
+  <dgm:styleLbl name="bgShp">
+    <dgm:scene3d>
+      <a:camera prst="orthographicFront"/>
+      <a:lightRig rig="threePt" dir="t"/>
+    </dgm:scene3d>
+    <dgm:sp3d/>
+    <dgm:txPr/>
+    <dgm:style>
+      <a:lnRef idx="0">
+        <a:scrgbClr r="0" g="0" b="0"/>
+      </a:lnRef>
+      <a:fillRef idx="1">
+        <a:scrgbClr r="0" g="0" b="0"/>
+      </a:fillRef>
+      <a:effectRef idx="0">
+        <a:scrgbClr r="0" g="0" b="0"/>
+      </a:effectRef>
+      <a:fontRef idx="minor"/>
+    </dgm:style>
+  </dgm:styleLbl>
+  <dgm:styleLbl name="dkBgShp">
+    <dgm:scene3d>
+      <a:camera prst="orthographicFront"/>
+      <a:lightRig rig="threePt" dir="t"/>
+    </dgm:scene3d>
+    <dgm:sp3d/>
+    <dgm:txPr/>
+    <dgm:style>
+      <a:lnRef idx="0">
+        <a:scrgbClr r="0" g="0" b="0"/>
+      </a:lnRef>
+      <a:fillRef idx="1">
+        <a:scrgbClr r="0" g="0" b="0"/>
+      </a:fillRef>
+      <a:effectRef idx="0">
+        <a:scrgbClr r="0" g="0" b="0"/>
+      </a:effectRef>
+      <a:fontRef idx="minor"/>
+    </dgm:style>
+  </dgm:styleLbl>
+  <dgm:styleLbl name="trBgShp">
+    <dgm:scene3d>
+      <a:camera prst="orthographicFront"/>
+      <a:lightRig rig="threePt" dir="t"/>
+    </dgm:scene3d>
+    <dgm:sp3d/>
+    <dgm:txPr/>
+    <dgm:style>
+      <a:lnRef idx="0">
+        <a:scrgbClr r="0" g="0" b="0"/>
+      </a:lnRef>
+      <a:fillRef idx="1">
+        <a:scrgbClr r="0" g="0" b="0"/>
+      </a:fillRef>
+      <a:effectRef idx="0">
+        <a:scrgbClr r="0" g="0" b="0"/>
+      </a:effectRef>
+      <a:fontRef idx="minor"/>
+    </dgm:style>
+  </dgm:styleLbl>
+  <dgm:styleLbl name="fgShp">
+    <dgm:scene3d>
+      <a:camera prst="orthographicFront"/>
+      <a:lightRig rig="threePt" dir="t"/>
+    </dgm:scene3d>
+    <dgm:sp3d/>
+    <dgm:txPr/>
+    <dgm:style>
+      <a:lnRef idx="2">
+        <a:scrgbClr r="0" g="0" b="0"/>
+      </a:lnRef>
+      <a:fillRef idx="1">
+        <a:scrgbClr r="0" g="0" b="0"/>
+      </a:fillRef>
+      <a:effectRef idx="0">
+        <a:scrgbClr r="0" g="0" b="0"/>
+      </a:effectRef>
+      <a:fontRef idx="minor"/>
+    </dgm:style>
+  </dgm:styleLbl>
+  <dgm:styleLbl name="revTx">
+    <dgm:scene3d>
+      <a:camera prst="orthographicFront"/>
+      <a:lightRig rig="threePt" dir="t"/>
+    </dgm:scene3d>
+    <dgm:sp3d/>
+    <dgm:txPr/>
+    <dgm:style>
+      <a:lnRef idx="0">
+        <a:scrgbClr r="0" g="0" b="0"/>
+      </a:lnRef>
+      <a:fillRef idx="0">
+        <a:scrgbClr r="0" g="0" b="0"/>
+      </a:fillRef>
+      <a:effectRef idx="0">
+        <a:scrgbClr r="0" g="0" b="0"/>
+      </a:effectRef>
+      <a:fontRef idx="minor"/>
+    </dgm:style>
+  </dgm:styleLbl>
+</dgm:styleDef>
 </file>
 
 <file path=ppt/handoutMasters/handoutMaster1.xml><?xml version="1.0" encoding="utf-8"?>
@@ -4567,35 +7836,6 @@
           </a:p>
         </p:txBody>
       </p:sp>
-      <p:pic>
-        <p:nvPicPr>
-          <p:cNvPr id="4" name="Content Placeholder 3"/>
-          <p:cNvPicPr>
-            <a:picLocks noGrp="1" noChangeAspect="1"/>
-          </p:cNvPicPr>
-          <p:nvPr>
-            <p:ph idx="1"/>
-          </p:nvPr>
-        </p:nvPicPr>
-        <p:blipFill>
-          <a:blip r:embed="rId2" cstate="print">
-            <a:extLst>
-              <a:ext uri="{28A0092B-C50C-407E-A947-70E740481C1C}">
-                <a14:useLocalDpi xmlns:a14="http://schemas.microsoft.com/office/drawing/2010/main" val="0"/>
-              </a:ext>
-            </a:extLst>
-          </a:blip>
-          <a:stretch>
-            <a:fillRect/>
-          </a:stretch>
-        </p:blipFill>
-        <p:spPr>
-          <a:xfrm>
-            <a:off x="2411760" y="4293096"/>
-            <a:ext cx="3744416" cy="2232248"/>
-          </a:xfrm>
-        </p:spPr>
-      </p:pic>
       <p:sp>
         <p:nvSpPr>
           <p:cNvPr id="6" name="Title 1"/>
@@ -4649,6 +7889,50 @@
           </a:p>
         </p:txBody>
       </p:sp>
+      <p:pic>
+        <p:nvPicPr>
+          <p:cNvPr id="1026" name="Picture 2" descr="https://www.asme.org/getmedia/703eeb2e-af83-4a04-a0dd-94e3592473e3/Teaching-Teamwork-to-Engineers_01.jpg.aspx?width=340"/>
+          <p:cNvPicPr>
+            <a:picLocks noChangeAspect="1" noChangeArrowheads="1"/>
+          </p:cNvPicPr>
+          <p:nvPr/>
+        </p:nvPicPr>
+        <p:blipFill>
+          <a:blip r:embed="rId2">
+            <a:extLst>
+              <a:ext uri="{28A0092B-C50C-407E-A947-70E740481C1C}">
+                <a14:useLocalDpi xmlns:a14="http://schemas.microsoft.com/office/drawing/2010/main" val="0"/>
+              </a:ext>
+            </a:extLst>
+          </a:blip>
+          <a:srcRect/>
+          <a:stretch>
+            <a:fillRect/>
+          </a:stretch>
+        </p:blipFill>
+        <p:spPr bwMode="auto">
+          <a:xfrm>
+            <a:off x="5652120" y="3356992"/>
+            <a:ext cx="3238500" cy="3333750"/>
+          </a:xfrm>
+          <a:prstGeom prst="rect">
+            <a:avLst/>
+          </a:prstGeom>
+          <a:noFill/>
+          <a:effectLst>
+            <a:softEdge rad="63500"/>
+          </a:effectLst>
+          <a:extLst>
+            <a:ext uri="{909E8E84-426E-40DD-AFC4-6F175D3DCCD1}">
+              <a14:hiddenFill xmlns:a14="http://schemas.microsoft.com/office/drawing/2010/main">
+                <a:solidFill>
+                  <a:srgbClr val="FFFFFF"/>
+                </a:solidFill>
+              </a14:hiddenFill>
+            </a:ext>
+          </a:extLst>
+        </p:spPr>
+      </p:pic>
     </p:spTree>
     <p:extLst>
       <p:ext uri="{BB962C8B-B14F-4D97-AF65-F5344CB8AC3E}">
@@ -4726,35 +8010,6 @@
           </a:p>
         </p:txBody>
       </p:sp>
-      <p:pic>
-        <p:nvPicPr>
-          <p:cNvPr id="4" name="Content Placeholder 3"/>
-          <p:cNvPicPr>
-            <a:picLocks noGrp="1" noChangeAspect="1"/>
-          </p:cNvPicPr>
-          <p:nvPr>
-            <p:ph idx="1"/>
-          </p:nvPr>
-        </p:nvPicPr>
-        <p:blipFill>
-          <a:blip r:embed="rId2" cstate="print">
-            <a:extLst>
-              <a:ext uri="{28A0092B-C50C-407E-A947-70E740481C1C}">
-                <a14:useLocalDpi xmlns:a14="http://schemas.microsoft.com/office/drawing/2010/main" val="0"/>
-              </a:ext>
-            </a:extLst>
-          </a:blip>
-          <a:stretch>
-            <a:fillRect/>
-          </a:stretch>
-        </p:blipFill>
-        <p:spPr>
-          <a:xfrm>
-            <a:off x="2411760" y="4293096"/>
-            <a:ext cx="3744416" cy="2232248"/>
-          </a:xfrm>
-        </p:spPr>
-      </p:pic>
       <p:sp>
         <p:nvSpPr>
           <p:cNvPr id="6" name="Title 1"/>
@@ -4812,6 +8067,39 @@
           </a:p>
         </p:txBody>
       </p:sp>
+      <p:pic>
+        <p:nvPicPr>
+          <p:cNvPr id="7" name="Picture 6"/>
+          <p:cNvPicPr>
+            <a:picLocks noChangeAspect="1"/>
+          </p:cNvPicPr>
+          <p:nvPr/>
+        </p:nvPicPr>
+        <p:blipFill>
+          <a:blip r:embed="rId2">
+            <a:extLst>
+              <a:ext uri="{28A0092B-C50C-407E-A947-70E740481C1C}">
+                <a14:useLocalDpi xmlns:a14="http://schemas.microsoft.com/office/drawing/2010/main" val="0"/>
+              </a:ext>
+            </a:extLst>
+          </a:blip>
+          <a:stretch>
+            <a:fillRect/>
+          </a:stretch>
+        </p:blipFill>
+        <p:spPr>
+          <a:xfrm>
+            <a:off x="4860032" y="4221088"/>
+            <a:ext cx="4067944" cy="2472882"/>
+          </a:xfrm>
+          <a:prstGeom prst="rect">
+            <a:avLst/>
+          </a:prstGeom>
+          <a:effectLst>
+            <a:softEdge rad="63500"/>
+          </a:effectLst>
+        </p:spPr>
+      </p:pic>
     </p:spTree>
     <p:extLst>
       <p:ext uri="{BB962C8B-B14F-4D97-AF65-F5344CB8AC3E}">
@@ -4913,9 +8201,12 @@
         </p:blipFill>
         <p:spPr>
           <a:xfrm>
-            <a:off x="2411760" y="4293096"/>
+            <a:off x="5220072" y="4437112"/>
             <a:ext cx="3744416" cy="2232248"/>
           </a:xfrm>
+          <a:effectLst>
+            <a:softEdge rad="63500"/>
+          </a:effectLst>
         </p:spPr>
       </p:pic>
       <p:sp>
@@ -4964,8 +8255,12 @@
               <a:buChar char="•"/>
             </a:pPr>
             <a:r>
+              <a:rPr lang="en-US" sz="2400" dirty="0" err="1" smtClean="0"/>
+              <a:t>Izak’s</a:t>
+            </a:r>
+            <a:r>
               <a:rPr lang="en-US" sz="2400" dirty="0" smtClean="0"/>
-              <a:t>Jessica’s Slide</a:t>
+              <a:t> Slide</a:t>
             </a:r>
             <a:endParaRPr lang="en-US" sz="2400" dirty="0"/>
           </a:p>
@@ -5048,35 +8343,6 @@
           </a:p>
         </p:txBody>
       </p:sp>
-      <p:pic>
-        <p:nvPicPr>
-          <p:cNvPr id="4" name="Content Placeholder 3"/>
-          <p:cNvPicPr>
-            <a:picLocks noGrp="1" noChangeAspect="1"/>
-          </p:cNvPicPr>
-          <p:nvPr>
-            <p:ph idx="1"/>
-          </p:nvPr>
-        </p:nvPicPr>
-        <p:blipFill>
-          <a:blip r:embed="rId2" cstate="print">
-            <a:extLst>
-              <a:ext uri="{28A0092B-C50C-407E-A947-70E740481C1C}">
-                <a14:useLocalDpi xmlns:a14="http://schemas.microsoft.com/office/drawing/2010/main" val="0"/>
-              </a:ext>
-            </a:extLst>
-          </a:blip>
-          <a:stretch>
-            <a:fillRect/>
-          </a:stretch>
-        </p:blipFill>
-        <p:spPr>
-          <a:xfrm>
-            <a:off x="2411760" y="4293096"/>
-            <a:ext cx="3744416" cy="2232248"/>
-          </a:xfrm>
-        </p:spPr>
-      </p:pic>
       <p:sp>
         <p:nvSpPr>
           <p:cNvPr id="6" name="Title 1"/>
@@ -5124,7 +8390,7 @@
             </a:pPr>
             <a:r>
               <a:rPr lang="en-US" sz="2400" dirty="0" err="1" smtClean="0"/>
-              <a:t>Izak’s</a:t>
+              <a:t>Pauls’s</a:t>
             </a:r>
             <a:r>
               <a:rPr lang="en-US" sz="2400" dirty="0" smtClean="0"/>
@@ -5134,6 +8400,42 @@
           </a:p>
         </p:txBody>
       </p:sp>
+      <p:pic>
+        <p:nvPicPr>
+          <p:cNvPr id="7" name="Picture 6"/>
+          <p:cNvPicPr>
+            <a:picLocks noChangeAspect="1"/>
+          </p:cNvPicPr>
+          <p:nvPr/>
+        </p:nvPicPr>
+        <p:blipFill>
+          <a:blip r:embed="rId2" cstate="print">
+            <a:extLst>
+              <a:ext uri="{28A0092B-C50C-407E-A947-70E740481C1C}">
+                <a14:useLocalDpi xmlns:a14="http://schemas.microsoft.com/office/drawing/2010/main" val="0"/>
+              </a:ext>
+            </a:extLst>
+          </a:blip>
+          <a:stretch>
+            <a:fillRect/>
+          </a:stretch>
+        </p:blipFill>
+        <p:spPr>
+          <a:xfrm>
+            <a:off x="4932040" y="3933056"/>
+            <a:ext cx="3605775" cy="2704331"/>
+          </a:xfrm>
+          <a:prstGeom prst="rect">
+            <a:avLst/>
+          </a:prstGeom>
+          <a:ln>
+            <a:noFill/>
+          </a:ln>
+          <a:effectLst>
+            <a:softEdge rad="127000"/>
+          </a:effectLst>
+        </p:spPr>
+      </p:pic>
     </p:spTree>
     <p:extLst>
       <p:ext uri="{BB962C8B-B14F-4D97-AF65-F5344CB8AC3E}">
@@ -5211,35 +8513,6 @@
           </a:p>
         </p:txBody>
       </p:sp>
-      <p:pic>
-        <p:nvPicPr>
-          <p:cNvPr id="4" name="Content Placeholder 3"/>
-          <p:cNvPicPr>
-            <a:picLocks noGrp="1" noChangeAspect="1"/>
-          </p:cNvPicPr>
-          <p:nvPr>
-            <p:ph idx="1"/>
-          </p:nvPr>
-        </p:nvPicPr>
-        <p:blipFill>
-          <a:blip r:embed="rId2" cstate="print">
-            <a:extLst>
-              <a:ext uri="{28A0092B-C50C-407E-A947-70E740481C1C}">
-                <a14:useLocalDpi xmlns:a14="http://schemas.microsoft.com/office/drawing/2010/main" val="0"/>
-              </a:ext>
-            </a:extLst>
-          </a:blip>
-          <a:stretch>
-            <a:fillRect/>
-          </a:stretch>
-        </p:blipFill>
-        <p:spPr>
-          <a:xfrm>
-            <a:off x="2411760" y="4293096"/>
-            <a:ext cx="3744416" cy="2232248"/>
-          </a:xfrm>
-        </p:spPr>
-      </p:pic>
       <p:sp>
         <p:nvSpPr>
           <p:cNvPr id="6" name="Title 1"/>
@@ -5286,17 +8559,46 @@
               <a:buChar char="•"/>
             </a:pPr>
             <a:r>
-              <a:rPr lang="en-US" sz="2400" dirty="0" err="1" smtClean="0"/>
-              <a:t>Pauls’s</a:t>
-            </a:r>
-            <a:r>
               <a:rPr lang="en-US" sz="2400" dirty="0" smtClean="0"/>
-              <a:t> Slide</a:t>
+              <a:t>Jessica’s Slide</a:t>
             </a:r>
             <a:endParaRPr lang="en-US" sz="2400" dirty="0"/>
           </a:p>
         </p:txBody>
       </p:sp>
+      <p:pic>
+        <p:nvPicPr>
+          <p:cNvPr id="8" name="Picture 7"/>
+          <p:cNvPicPr>
+            <a:picLocks noChangeAspect="1"/>
+          </p:cNvPicPr>
+          <p:nvPr/>
+        </p:nvPicPr>
+        <p:blipFill>
+          <a:blip r:embed="rId2">
+            <a:extLst>
+              <a:ext uri="{28A0092B-C50C-407E-A947-70E740481C1C}">
+                <a14:useLocalDpi xmlns:a14="http://schemas.microsoft.com/office/drawing/2010/main" val="0"/>
+              </a:ext>
+            </a:extLst>
+          </a:blip>
+          <a:stretch>
+            <a:fillRect/>
+          </a:stretch>
+        </p:blipFill>
+        <p:spPr>
+          <a:xfrm>
+            <a:off x="4355976" y="3633218"/>
+            <a:ext cx="4685060" cy="3224782"/>
+          </a:xfrm>
+          <a:prstGeom prst="rect">
+            <a:avLst/>
+          </a:prstGeom>
+          <a:effectLst>
+            <a:softEdge rad="127000"/>
+          </a:effectLst>
+        </p:spPr>
+      </p:pic>
     </p:spTree>
     <p:extLst>
       <p:ext uri="{BB962C8B-B14F-4D97-AF65-F5344CB8AC3E}">
@@ -5330,6 +8632,476 @@
 </file>
 
 <file path=ppt/slides/slide8.xml><?xml version="1.0" encoding="utf-8"?>
+<p:sld xmlns:a="http://schemas.openxmlformats.org/drawingml/2006/main" xmlns:r="http://schemas.openxmlformats.org/officeDocument/2006/relationships" xmlns:p="http://schemas.openxmlformats.org/presentationml/2006/main">
+  <p:cSld>
+    <p:spTree>
+      <p:nvGrpSpPr>
+        <p:cNvPr id="1" name=""/>
+        <p:cNvGrpSpPr/>
+        <p:nvPr/>
+      </p:nvGrpSpPr>
+      <p:grpSpPr>
+        <a:xfrm>
+          <a:off x="0" y="0"/>
+          <a:ext cx="0" cy="0"/>
+          <a:chOff x="0" y="0"/>
+          <a:chExt cx="0" cy="0"/>
+        </a:xfrm>
+      </p:grpSpPr>
+      <p:pic>
+        <p:nvPicPr>
+          <p:cNvPr id="17" name="Picture 16"/>
+          <p:cNvPicPr>
+            <a:picLocks noChangeAspect="1"/>
+          </p:cNvPicPr>
+          <p:nvPr/>
+        </p:nvPicPr>
+        <p:blipFill>
+          <a:blip r:embed="rId2" cstate="print">
+            <a:extLst>
+              <a:ext uri="{28A0092B-C50C-407E-A947-70E740481C1C}">
+                <a14:useLocalDpi xmlns:a14="http://schemas.microsoft.com/office/drawing/2010/main" val="0"/>
+              </a:ext>
+            </a:extLst>
+          </a:blip>
+          <a:stretch>
+            <a:fillRect/>
+          </a:stretch>
+        </p:blipFill>
+        <p:spPr>
+          <a:xfrm>
+            <a:off x="4251824" y="3519728"/>
+            <a:ext cx="4843397" cy="3293511"/>
+          </a:xfrm>
+          <a:prstGeom prst="rect">
+            <a:avLst/>
+          </a:prstGeom>
+          <a:ln>
+            <a:noFill/>
+          </a:ln>
+          <a:effectLst>
+            <a:softEdge rad="127000"/>
+          </a:effectLst>
+        </p:spPr>
+      </p:pic>
+      <p:graphicFrame>
+        <p:nvGraphicFramePr>
+          <p:cNvPr id="4" name="Content Placeholder 3"/>
+          <p:cNvGraphicFramePr>
+            <a:graphicFrameLocks noGrp="1"/>
+          </p:cNvGraphicFramePr>
+          <p:nvPr>
+            <p:ph idx="1"/>
+            <p:extLst>
+              <p:ext uri="{D42A27DB-BD31-4B8C-83A1-F6EECF244321}">
+                <p14:modId xmlns:p14="http://schemas.microsoft.com/office/powerpoint/2010/main" val="61819050"/>
+              </p:ext>
+            </p:extLst>
+          </p:nvPr>
+        </p:nvGraphicFramePr>
+        <p:xfrm>
+          <a:off x="798513" y="1828800"/>
+          <a:ext cx="6516687" cy="4191000"/>
+        </p:xfrm>
+        <a:graphic>
+          <a:graphicData uri="http://schemas.openxmlformats.org/drawingml/2006/diagram">
+            <dgm:relIds xmlns:dgm="http://schemas.openxmlformats.org/drawingml/2006/diagram" xmlns:r="http://schemas.openxmlformats.org/officeDocument/2006/relationships" r:dm="rId3" r:lo="rId4" r:qs="rId5" r:cs="rId6"/>
+          </a:graphicData>
+        </a:graphic>
+      </p:graphicFrame>
+      <p:sp>
+        <p:nvSpPr>
+          <p:cNvPr id="3" name="Title 2"/>
+          <p:cNvSpPr>
+            <a:spLocks noGrp="1"/>
+          </p:cNvSpPr>
+          <p:nvPr>
+            <p:ph type="title"/>
+          </p:nvPr>
+        </p:nvSpPr>
+        <p:spPr/>
+        <p:txBody>
+          <a:bodyPr/>
+          <a:lstStyle/>
+          <a:p>
+            <a:r>
+              <a:rPr lang="en-ZA" dirty="0" smtClean="0"/>
+              <a:t>Timeline</a:t>
+            </a:r>
+            <a:endParaRPr lang="en-ZA" dirty="0"/>
+          </a:p>
+        </p:txBody>
+      </p:sp>
+      <p:pic>
+        <p:nvPicPr>
+          <p:cNvPr id="6" name="Picture 5"/>
+          <p:cNvPicPr>
+            <a:picLocks noChangeAspect="1"/>
+          </p:cNvPicPr>
+          <p:nvPr/>
+        </p:nvPicPr>
+        <p:blipFill>
+          <a:blip r:embed="rId8" cstate="print">
+            <a:extLst>
+              <a:ext uri="{28A0092B-C50C-407E-A947-70E740481C1C}">
+                <a14:useLocalDpi xmlns:a14="http://schemas.microsoft.com/office/drawing/2010/main" val="0"/>
+              </a:ext>
+            </a:extLst>
+          </a:blip>
+          <a:stretch>
+            <a:fillRect/>
+          </a:stretch>
+        </p:blipFill>
+        <p:spPr>
+          <a:xfrm>
+            <a:off x="2483768" y="1628800"/>
+            <a:ext cx="553022" cy="576064"/>
+          </a:xfrm>
+          <a:prstGeom prst="rect">
+            <a:avLst/>
+          </a:prstGeom>
+        </p:spPr>
+      </p:pic>
+      <p:pic>
+        <p:nvPicPr>
+          <p:cNvPr id="7" name="Picture 6"/>
+          <p:cNvPicPr>
+            <a:picLocks noChangeAspect="1"/>
+          </p:cNvPicPr>
+          <p:nvPr/>
+        </p:nvPicPr>
+        <p:blipFill>
+          <a:blip r:embed="rId8" cstate="print">
+            <a:extLst>
+              <a:ext uri="{28A0092B-C50C-407E-A947-70E740481C1C}">
+                <a14:useLocalDpi xmlns:a14="http://schemas.microsoft.com/office/drawing/2010/main" val="0"/>
+              </a:ext>
+            </a:extLst>
+          </a:blip>
+          <a:stretch>
+            <a:fillRect/>
+          </a:stretch>
+        </p:blipFill>
+        <p:spPr>
+          <a:xfrm>
+            <a:off x="2483768" y="2348880"/>
+            <a:ext cx="553022" cy="576064"/>
+          </a:xfrm>
+          <a:prstGeom prst="rect">
+            <a:avLst/>
+          </a:prstGeom>
+        </p:spPr>
+      </p:pic>
+      <p:pic>
+        <p:nvPicPr>
+          <p:cNvPr id="8" name="Picture 7"/>
+          <p:cNvPicPr>
+            <a:picLocks noChangeAspect="1"/>
+          </p:cNvPicPr>
+          <p:nvPr/>
+        </p:nvPicPr>
+        <p:blipFill>
+          <a:blip r:embed="rId8" cstate="print">
+            <a:extLst>
+              <a:ext uri="{28A0092B-C50C-407E-A947-70E740481C1C}">
+                <a14:useLocalDpi xmlns:a14="http://schemas.microsoft.com/office/drawing/2010/main" val="0"/>
+              </a:ext>
+            </a:extLst>
+          </a:blip>
+          <a:stretch>
+            <a:fillRect/>
+          </a:stretch>
+        </p:blipFill>
+        <p:spPr>
+          <a:xfrm>
+            <a:off x="2483768" y="3140968"/>
+            <a:ext cx="553022" cy="576064"/>
+          </a:xfrm>
+          <a:prstGeom prst="rect">
+            <a:avLst/>
+          </a:prstGeom>
+        </p:spPr>
+      </p:pic>
+      <p:sp>
+        <p:nvSpPr>
+          <p:cNvPr id="9" name="TextBox 8"/>
+          <p:cNvSpPr txBox="1"/>
+          <p:nvPr/>
+        </p:nvSpPr>
+        <p:spPr>
+          <a:xfrm>
+            <a:off x="3131840" y="4149080"/>
+            <a:ext cx="1515158" cy="369332"/>
+          </a:xfrm>
+          <a:prstGeom prst="rect">
+            <a:avLst/>
+          </a:prstGeom>
+          <a:noFill/>
+          <a:ln>
+            <a:noFill/>
+          </a:ln>
+        </p:spPr>
+        <p:txBody>
+          <a:bodyPr wrap="none" rtlCol="0" anchor="ctr" anchorCtr="1">
+            <a:spAutoFit/>
+          </a:bodyPr>
+          <a:lstStyle/>
+          <a:p>
+            <a:r>
+              <a:rPr lang="en-ZA" dirty="0" smtClean="0"/>
+              <a:t>Completed - </a:t>
+            </a:r>
+            <a:endParaRPr lang="en-ZA" dirty="0" smtClean="0"/>
+          </a:p>
+        </p:txBody>
+      </p:sp>
+      <p:sp>
+        <p:nvSpPr>
+          <p:cNvPr id="11" name="TextBox 10"/>
+          <p:cNvSpPr txBox="1"/>
+          <p:nvPr/>
+        </p:nvSpPr>
+        <p:spPr>
+          <a:xfrm>
+            <a:off x="3140690" y="5511715"/>
+            <a:ext cx="1800199" cy="369332"/>
+          </a:xfrm>
+          <a:prstGeom prst="rect">
+            <a:avLst/>
+          </a:prstGeom>
+          <a:noFill/>
+          <a:ln>
+            <a:noFill/>
+          </a:ln>
+        </p:spPr>
+        <p:txBody>
+          <a:bodyPr wrap="square" rtlCol="0" anchor="ctr" anchorCtr="1">
+            <a:spAutoFit/>
+          </a:bodyPr>
+          <a:lstStyle/>
+          <a:p>
+            <a:r>
+              <a:rPr lang="en-ZA" dirty="0"/>
+              <a:t>Current Phase</a:t>
+            </a:r>
+          </a:p>
+        </p:txBody>
+      </p:sp>
+      <p:sp>
+        <p:nvSpPr>
+          <p:cNvPr id="12" name="TextBox 11"/>
+          <p:cNvSpPr txBox="1"/>
+          <p:nvPr/>
+        </p:nvSpPr>
+        <p:spPr>
+          <a:xfrm>
+            <a:off x="3059832" y="3429000"/>
+            <a:ext cx="2337372" cy="369332"/>
+          </a:xfrm>
+          <a:prstGeom prst="rect">
+            <a:avLst/>
+          </a:prstGeom>
+          <a:noFill/>
+          <a:ln>
+            <a:noFill/>
+          </a:ln>
+        </p:spPr>
+        <p:txBody>
+          <a:bodyPr wrap="square" rtlCol="0" anchor="ctr" anchorCtr="1">
+            <a:spAutoFit/>
+          </a:bodyPr>
+          <a:lstStyle/>
+          <a:p>
+            <a:r>
+              <a:rPr lang="en-ZA" dirty="0" smtClean="0"/>
+              <a:t>Completed 22</a:t>
+            </a:r>
+            <a:r>
+              <a:rPr lang="en-ZA" baseline="30000" dirty="0" smtClean="0"/>
+              <a:t>nd</a:t>
+            </a:r>
+            <a:r>
+              <a:rPr lang="en-ZA" dirty="0" smtClean="0"/>
+              <a:t> July</a:t>
+            </a:r>
+          </a:p>
+        </p:txBody>
+      </p:sp>
+      <p:sp>
+        <p:nvSpPr>
+          <p:cNvPr id="13" name="TextBox 12"/>
+          <p:cNvSpPr txBox="1"/>
+          <p:nvPr/>
+        </p:nvSpPr>
+        <p:spPr>
+          <a:xfrm>
+            <a:off x="3059832" y="2636912"/>
+            <a:ext cx="2270173" cy="369332"/>
+          </a:xfrm>
+          <a:prstGeom prst="rect">
+            <a:avLst/>
+          </a:prstGeom>
+          <a:noFill/>
+          <a:ln>
+            <a:noFill/>
+          </a:ln>
+        </p:spPr>
+        <p:txBody>
+          <a:bodyPr wrap="square" rtlCol="0" anchor="ctr" anchorCtr="1">
+            <a:spAutoFit/>
+          </a:bodyPr>
+          <a:lstStyle/>
+          <a:p>
+            <a:r>
+              <a:rPr lang="en-ZA" dirty="0" smtClean="0"/>
+              <a:t>Completed 27</a:t>
+            </a:r>
+            <a:r>
+              <a:rPr lang="en-ZA" baseline="30000" dirty="0" smtClean="0"/>
+              <a:t>th</a:t>
+            </a:r>
+            <a:r>
+              <a:rPr lang="en-ZA" dirty="0" smtClean="0"/>
+              <a:t> June</a:t>
+            </a:r>
+          </a:p>
+        </p:txBody>
+      </p:sp>
+      <p:sp>
+        <p:nvSpPr>
+          <p:cNvPr id="14" name="TextBox 13"/>
+          <p:cNvSpPr txBox="1"/>
+          <p:nvPr/>
+        </p:nvSpPr>
+        <p:spPr>
+          <a:xfrm>
+            <a:off x="3131840" y="1916832"/>
+            <a:ext cx="2270173" cy="369332"/>
+          </a:xfrm>
+          <a:prstGeom prst="rect">
+            <a:avLst/>
+          </a:prstGeom>
+          <a:noFill/>
+          <a:ln>
+            <a:noFill/>
+          </a:ln>
+        </p:spPr>
+        <p:txBody>
+          <a:bodyPr wrap="none" rtlCol="0" anchor="ctr" anchorCtr="1">
+            <a:spAutoFit/>
+          </a:bodyPr>
+          <a:lstStyle/>
+          <a:p>
+            <a:r>
+              <a:rPr lang="en-ZA" dirty="0" smtClean="0"/>
+              <a:t>Completed 30</a:t>
+            </a:r>
+            <a:r>
+              <a:rPr lang="en-ZA" baseline="30000" dirty="0" smtClean="0"/>
+              <a:t>th</a:t>
+            </a:r>
+            <a:r>
+              <a:rPr lang="en-ZA" dirty="0" smtClean="0"/>
+              <a:t> May</a:t>
+            </a:r>
+          </a:p>
+        </p:txBody>
+      </p:sp>
+      <p:pic>
+        <p:nvPicPr>
+          <p:cNvPr id="15" name="Picture 14"/>
+          <p:cNvPicPr>
+            <a:picLocks noChangeAspect="1"/>
+          </p:cNvPicPr>
+          <p:nvPr/>
+        </p:nvPicPr>
+        <p:blipFill>
+          <a:blip r:embed="rId8" cstate="print">
+            <a:extLst>
+              <a:ext uri="{28A0092B-C50C-407E-A947-70E740481C1C}">
+                <a14:useLocalDpi xmlns:a14="http://schemas.microsoft.com/office/drawing/2010/main" val="0"/>
+              </a:ext>
+            </a:extLst>
+          </a:blip>
+          <a:stretch>
+            <a:fillRect/>
+          </a:stretch>
+        </p:blipFill>
+        <p:spPr>
+          <a:xfrm>
+            <a:off x="2483768" y="3861048"/>
+            <a:ext cx="553022" cy="576064"/>
+          </a:xfrm>
+          <a:prstGeom prst="rect">
+            <a:avLst/>
+          </a:prstGeom>
+        </p:spPr>
+      </p:pic>
+      <p:sp>
+        <p:nvSpPr>
+          <p:cNvPr id="16" name="TextBox 15"/>
+          <p:cNvSpPr txBox="1"/>
+          <p:nvPr/>
+        </p:nvSpPr>
+        <p:spPr>
+          <a:xfrm>
+            <a:off x="3140690" y="4797152"/>
+            <a:ext cx="1646605" cy="369332"/>
+          </a:xfrm>
+          <a:prstGeom prst="rect">
+            <a:avLst/>
+          </a:prstGeom>
+          <a:noFill/>
+          <a:ln>
+            <a:noFill/>
+          </a:ln>
+        </p:spPr>
+        <p:txBody>
+          <a:bodyPr wrap="none" rtlCol="0" anchor="ctr" anchorCtr="1">
+            <a:spAutoFit/>
+          </a:bodyPr>
+          <a:lstStyle/>
+          <a:p>
+            <a:r>
+              <a:rPr lang="en-ZA" dirty="0" smtClean="0"/>
+              <a:t>Current Phase</a:t>
+            </a:r>
+          </a:p>
+        </p:txBody>
+      </p:sp>
+    </p:spTree>
+    <p:extLst>
+      <p:ext uri="{BB962C8B-B14F-4D97-AF65-F5344CB8AC3E}">
+        <p14:creationId xmlns:p14="http://schemas.microsoft.com/office/powerpoint/2010/main" val="292596141"/>
+      </p:ext>
+    </p:extLst>
+  </p:cSld>
+  <p:clrMapOvr>
+    <a:masterClrMapping/>
+  </p:clrMapOvr>
+  <mc:AlternateContent xmlns:mc="http://schemas.openxmlformats.org/markup-compatibility/2006" xmlns:p14="http://schemas.microsoft.com/office/powerpoint/2010/main">
+    <mc:Choice Requires="p14">
+      <p:transition spd="med" p14:dur="700">
+        <p:fade/>
+      </p:transition>
+    </mc:Choice>
+    <mc:Fallback xmlns="">
+      <p:transition spd="med">
+        <p:fade/>
+      </p:transition>
+    </mc:Fallback>
+  </mc:AlternateContent>
+  <p:timing>
+    <p:tnLst>
+      <p:par>
+        <p:cTn id="1" dur="indefinite" restart="never" nodeType="tmRoot"/>
+      </p:par>
+    </p:tnLst>
+  </p:timing>
+</p:sld>
+</file>
+
+<file path=ppt/slides/slide9.xml><?xml version="1.0" encoding="utf-8"?>
 <p:sld xmlns:a="http://schemas.openxmlformats.org/drawingml/2006/main" xmlns:r="http://schemas.openxmlformats.org/officeDocument/2006/relationships" xmlns:p="http://schemas.openxmlformats.org/presentationml/2006/main">
   <p:cSld>
     <p:spTree>
@@ -5776,7 +9548,7 @@
   <a:extraClrSchemeLst/>
   <a:extLst>
     <a:ext uri="{05A4C25C-085E-4340-85A3-A5531E510DB2}">
-      <thm15:themeFamily xmlns="" xmlns:thm15="http://schemas.microsoft.com/office/thememl/2012/main" name="Business strategy presentation" id="{8652783A-F43B-4C47-8F3C-48F967BE0382}" vid="{232EED29-0899-40B2-8969-E379F11A5395}"/>
+      <thm15:themeFamily xmlns:thm15="http://schemas.microsoft.com/office/thememl/2012/main" xmlns="" name="Business strategy presentation" id="{8652783A-F43B-4C47-8F3C-48F967BE0382}" vid="{232EED29-0899-40B2-8969-E379F11A5395}"/>
     </a:ext>
   </a:extLst>
 </a:theme>
